--- a/slides/lec05_cdn.pptx
+++ b/slides/lec05_cdn.pptx
@@ -255,7 +255,7 @@
           <a:p>
             <a:fld id="{26C21ED3-A5B8-0F43-BEC8-3BB1C1D7A737}" type="datetimeFigureOut">
               <a:rPr lang="en-US" smtClean="0"/>
-              <a:t>2/12/18</a:t>
+              <a:t>2/13/18</a:t>
             </a:fld>
             <a:endParaRPr lang="en-US"/>
           </a:p>
@@ -3596,7 +3596,7 @@
           <a:p>
             <a:fld id="{ECF56177-CEF1-0141-836F-3867E7E9C1D8}" type="datetime1">
               <a:rPr lang="en-US" smtClean="0"/>
-              <a:t>2/12/18</a:t>
+              <a:t>2/13/18</a:t>
             </a:fld>
             <a:endParaRPr lang="en-US"/>
           </a:p>
@@ -3766,7 +3766,7 @@
           <a:p>
             <a:fld id="{4CDC8FB9-92E9-4C40-A76A-6D1CDAB665BB}" type="datetime1">
               <a:rPr lang="en-US" smtClean="0"/>
-              <a:t>2/12/18</a:t>
+              <a:t>2/13/18</a:t>
             </a:fld>
             <a:endParaRPr lang="en-US"/>
           </a:p>
@@ -3946,7 +3946,7 @@
           <a:p>
             <a:fld id="{F8F03505-CCE7-CA4C-B4F1-35193B6B5156}" type="datetime1">
               <a:rPr lang="en-US" smtClean="0"/>
-              <a:t>2/12/18</a:t>
+              <a:t>2/13/18</a:t>
             </a:fld>
             <a:endParaRPr lang="en-US"/>
           </a:p>
@@ -4116,7 +4116,7 @@
           <a:p>
             <a:fld id="{A02E57FB-CD21-0942-A714-152EC4568E9D}" type="datetime1">
               <a:rPr lang="en-US" smtClean="0"/>
-              <a:t>2/12/18</a:t>
+              <a:t>2/13/18</a:t>
             </a:fld>
             <a:endParaRPr lang="en-US"/>
           </a:p>
@@ -4360,7 +4360,7 @@
           <a:p>
             <a:fld id="{77AD2927-A654-D74D-A6C0-BF96EF7229C7}" type="datetime1">
               <a:rPr lang="en-US" smtClean="0"/>
-              <a:t>2/12/18</a:t>
+              <a:t>2/13/18</a:t>
             </a:fld>
             <a:endParaRPr lang="en-US"/>
           </a:p>
@@ -4592,7 +4592,7 @@
           <a:p>
             <a:fld id="{37B554B6-7788-2348-9289-7CAD598A9555}" type="datetime1">
               <a:rPr lang="en-US" smtClean="0"/>
-              <a:t>2/12/18</a:t>
+              <a:t>2/13/18</a:t>
             </a:fld>
             <a:endParaRPr lang="en-US"/>
           </a:p>
@@ -4959,7 +4959,7 @@
           <a:p>
             <a:fld id="{CCE331CB-FA13-3243-AD80-8733E43C7C1F}" type="datetime1">
               <a:rPr lang="en-US" smtClean="0"/>
-              <a:t>2/12/18</a:t>
+              <a:t>2/13/18</a:t>
             </a:fld>
             <a:endParaRPr lang="en-US"/>
           </a:p>
@@ -5077,7 +5077,7 @@
           <a:p>
             <a:fld id="{C0172A9A-4F1F-854A-9B1E-96AFCC4A9B03}" type="datetime1">
               <a:rPr lang="en-US" smtClean="0"/>
-              <a:t>2/12/18</a:t>
+              <a:t>2/13/18</a:t>
             </a:fld>
             <a:endParaRPr lang="en-US"/>
           </a:p>
@@ -5172,7 +5172,7 @@
           <a:p>
             <a:fld id="{2D504595-1B90-0F4A-A1D0-6609637EC4CD}" type="datetime1">
               <a:rPr lang="en-US" smtClean="0"/>
-              <a:t>2/12/18</a:t>
+              <a:t>2/13/18</a:t>
             </a:fld>
             <a:endParaRPr lang="en-US"/>
           </a:p>
@@ -5449,7 +5449,7 @@
           <a:p>
             <a:fld id="{F48EB26F-796F-BD4B-9EC5-A039FE9C305B}" type="datetime1">
               <a:rPr lang="en-US" smtClean="0"/>
-              <a:t>2/12/18</a:t>
+              <a:t>2/13/18</a:t>
             </a:fld>
             <a:endParaRPr lang="en-US"/>
           </a:p>
@@ -5706,7 +5706,7 @@
           <a:p>
             <a:fld id="{CDC2C28A-C946-0143-970B-84B8FE5654F4}" type="datetime1">
               <a:rPr lang="en-US" smtClean="0"/>
-              <a:t>2/12/18</a:t>
+              <a:t>2/13/18</a:t>
             </a:fld>
             <a:endParaRPr lang="en-US"/>
           </a:p>
@@ -5919,7 +5919,7 @@
           <a:p>
             <a:fld id="{A831EFE4-169C-9248-BC74-4797ECDAE130}" type="datetime1">
               <a:rPr lang="en-US" smtClean="0"/>
-              <a:t>2/12/18</a:t>
+              <a:t>2/13/18</a:t>
             </a:fld>
             <a:endParaRPr lang="en-US"/>
           </a:p>
@@ -14861,15 +14861,7 @@
           <a:p>
             <a:r>
               <a:rPr lang="en-US" dirty="0" smtClean="0"/>
-              <a:t>An </a:t>
-            </a:r>
-            <a:r>
-              <a:rPr lang="en-US" dirty="0" smtClean="0"/>
-              <a:t>authoritative </a:t>
-            </a:r>
-            <a:r>
-              <a:rPr lang="en-US" dirty="0" smtClean="0"/>
-              <a:t>DNS server stores “</a:t>
+              <a:t>An authoritative DNS server stores “</a:t>
             </a:r>
             <a:r>
               <a:rPr lang="en-US" dirty="0" smtClean="0">
@@ -20433,11 +20425,7 @@
             </a:r>
             <a:r>
               <a:rPr lang="en-US" dirty="0" smtClean="0"/>
-              <a:t> </a:t>
-            </a:r>
-            <a:r>
-              <a:rPr lang="en-US" dirty="0" smtClean="0"/>
-              <a:t>is really </a:t>
+              <a:t> is really </a:t>
             </a:r>
             <a:r>
               <a:rPr lang="en-US" dirty="0" err="1" smtClean="0"/>
@@ -20455,11 +20443,7 @@
           <a:p>
             <a:r>
               <a:rPr lang="en-US" dirty="0" smtClean="0"/>
-              <a:t>Type </a:t>
-            </a:r>
-            <a:r>
-              <a:rPr lang="en-US" dirty="0" smtClean="0"/>
-              <a:t>= MX: (</a:t>
+              <a:t>Type = MX: (</a:t>
             </a:r>
             <a:r>
               <a:rPr lang="en-US" dirty="0" smtClean="0">
@@ -35055,7 +35039,9 @@
         </p:nvSpPr>
         <p:spPr/>
         <p:txBody>
-          <a:bodyPr/>
+          <a:bodyPr>
+            <a:normAutofit lnSpcReduction="10000"/>
+          </a:bodyPr>
           <a:lstStyle/>
           <a:p>
             <a:r>
@@ -35095,20 +35081,27 @@
           </a:p>
           <a:p>
             <a:r>
+              <a:rPr lang="en-US" dirty="0" smtClean="0"/>
+              <a:t>Assignment 2 is out</a:t>
+            </a:r>
+          </a:p>
+          <a:p>
+            <a:r>
+              <a:rPr lang="en-US" dirty="0" smtClean="0"/>
+              <a:t>Assignment </a:t>
+            </a:r>
+            <a:r>
               <a:rPr lang="en-US" dirty="0"/>
-              <a:t>Assignment 1 is due </a:t>
-            </a:r>
-            <a:r>
-              <a:rPr lang="en-US" smtClean="0"/>
+              <a:t>1 is due </a:t>
+            </a:r>
+            <a:r>
+              <a:rPr lang="en-US" dirty="0" smtClean="0"/>
               <a:t>this </a:t>
             </a:r>
             <a:r>
-              <a:rPr lang="en-US" smtClean="0"/>
+              <a:rPr lang="en-US" dirty="0" smtClean="0"/>
               <a:t>Friday</a:t>
             </a:r>
-            <a:endParaRPr lang="en-US" dirty="0"/>
-          </a:p>
-          <a:p>
             <a:endParaRPr lang="en-US" dirty="0"/>
           </a:p>
         </p:txBody>

--- a/slides/lec05_cdn.pptx
+++ b/slides/lec05_cdn.pptx
@@ -255,7 +255,7 @@
           <a:p>
             <a:fld id="{26C21ED3-A5B8-0F43-BEC8-3BB1C1D7A737}" type="datetimeFigureOut">
               <a:rPr lang="en-US" smtClean="0"/>
-              <a:t>2/13/18</a:t>
+              <a:t>3/10/18</a:t>
             </a:fld>
             <a:endParaRPr lang="en-US"/>
           </a:p>
@@ -655,14 +655,14 @@
           <a:ln/>
           <a:extLst>
             <a:ext uri="{909E8E84-426E-40dd-AFC4-6F175D3DCCD1}">
-              <a14:hiddenFill xmlns="" xmlns:a14="http://schemas.microsoft.com/office/drawing/2010/main">
+              <a14:hiddenFill xmlns:a14="http://schemas.microsoft.com/office/drawing/2010/main" xmlns="">
                 <a:solidFill>
                   <a:srgbClr val="FFFFFF"/>
                 </a:solidFill>
               </a14:hiddenFill>
             </a:ext>
             <a:ext uri="{91240B29-F687-4f45-9708-019B960494DF}">
-              <a14:hiddenLine xmlns="" xmlns:a14="http://schemas.microsoft.com/office/drawing/2010/main" w="9525">
+              <a14:hiddenLine xmlns:a14="http://schemas.microsoft.com/office/drawing/2010/main" xmlns="" w="9525">
                 <a:solidFill>
                   <a:srgbClr val="000000"/>
                 </a:solidFill>
@@ -904,14 +904,14 @@
           <a:ln/>
           <a:extLst>
             <a:ext uri="{909E8E84-426E-40dd-AFC4-6F175D3DCCD1}">
-              <a14:hiddenFill xmlns="" xmlns:a14="http://schemas.microsoft.com/office/drawing/2010/main">
+              <a14:hiddenFill xmlns:a14="http://schemas.microsoft.com/office/drawing/2010/main" xmlns="">
                 <a:solidFill>
                   <a:srgbClr val="FFFFFF"/>
                 </a:solidFill>
               </a14:hiddenFill>
             </a:ext>
             <a:ext uri="{91240B29-F687-4f45-9708-019B960494DF}">
-              <a14:hiddenLine xmlns="" xmlns:a14="http://schemas.microsoft.com/office/drawing/2010/main" w="9525">
+              <a14:hiddenLine xmlns:a14="http://schemas.microsoft.com/office/drawing/2010/main" xmlns="" w="9525">
                 <a:solidFill>
                   <a:srgbClr val="000000"/>
                 </a:solidFill>
@@ -1338,14 +1338,14 @@
           <a:ln/>
           <a:extLst>
             <a:ext uri="{909E8E84-426E-40dd-AFC4-6F175D3DCCD1}">
-              <a14:hiddenFill xmlns="" xmlns:a14="http://schemas.microsoft.com/office/drawing/2010/main">
+              <a14:hiddenFill xmlns:a14="http://schemas.microsoft.com/office/drawing/2010/main" xmlns="">
                 <a:solidFill>
                   <a:srgbClr val="FFFFFF"/>
                 </a:solidFill>
               </a14:hiddenFill>
             </a:ext>
             <a:ext uri="{91240B29-F687-4f45-9708-019B960494DF}">
-              <a14:hiddenLine xmlns="" xmlns:a14="http://schemas.microsoft.com/office/drawing/2010/main" w="9525">
+              <a14:hiddenLine xmlns:a14="http://schemas.microsoft.com/office/drawing/2010/main" xmlns="" w="9525">
                 <a:solidFill>
                   <a:srgbClr val="000000"/>
                 </a:solidFill>
@@ -1587,14 +1587,14 @@
           <a:ln/>
           <a:extLst>
             <a:ext uri="{909E8E84-426E-40dd-AFC4-6F175D3DCCD1}">
-              <a14:hiddenFill xmlns="" xmlns:a14="http://schemas.microsoft.com/office/drawing/2010/main">
+              <a14:hiddenFill xmlns:a14="http://schemas.microsoft.com/office/drawing/2010/main" xmlns="">
                 <a:solidFill>
                   <a:srgbClr val="FFFFFF"/>
                 </a:solidFill>
               </a14:hiddenFill>
             </a:ext>
             <a:ext uri="{91240B29-F687-4f45-9708-019B960494DF}">
-              <a14:hiddenLine xmlns="" xmlns:a14="http://schemas.microsoft.com/office/drawing/2010/main" w="9525">
+              <a14:hiddenLine xmlns:a14="http://schemas.microsoft.com/office/drawing/2010/main" xmlns="" w="9525">
                 <a:solidFill>
                   <a:srgbClr val="000000"/>
                 </a:solidFill>
@@ -1836,14 +1836,14 @@
           <a:ln/>
           <a:extLst>
             <a:ext uri="{909E8E84-426E-40dd-AFC4-6F175D3DCCD1}">
-              <a14:hiddenFill xmlns="" xmlns:a14="http://schemas.microsoft.com/office/drawing/2010/main">
+              <a14:hiddenFill xmlns:a14="http://schemas.microsoft.com/office/drawing/2010/main" xmlns="">
                 <a:solidFill>
                   <a:srgbClr val="FFFFFF"/>
                 </a:solidFill>
               </a14:hiddenFill>
             </a:ext>
             <a:ext uri="{91240B29-F687-4f45-9708-019B960494DF}">
-              <a14:hiddenLine xmlns="" xmlns:a14="http://schemas.microsoft.com/office/drawing/2010/main" w="9525">
+              <a14:hiddenLine xmlns:a14="http://schemas.microsoft.com/office/drawing/2010/main" xmlns="" w="9525">
                 <a:solidFill>
                   <a:srgbClr val="000000"/>
                 </a:solidFill>
@@ -2085,14 +2085,14 @@
           <a:ln/>
           <a:extLst>
             <a:ext uri="{909E8E84-426E-40dd-AFC4-6F175D3DCCD1}">
-              <a14:hiddenFill xmlns="" xmlns:a14="http://schemas.microsoft.com/office/drawing/2010/main">
+              <a14:hiddenFill xmlns:a14="http://schemas.microsoft.com/office/drawing/2010/main" xmlns="">
                 <a:solidFill>
                   <a:srgbClr val="FFFFFF"/>
                 </a:solidFill>
               </a14:hiddenFill>
             </a:ext>
             <a:ext uri="{91240B29-F687-4f45-9708-019B960494DF}">
-              <a14:hiddenLine xmlns="" xmlns:a14="http://schemas.microsoft.com/office/drawing/2010/main" w="9525">
+              <a14:hiddenLine xmlns:a14="http://schemas.microsoft.com/office/drawing/2010/main" xmlns="" w="9525">
                 <a:solidFill>
                   <a:srgbClr val="000000"/>
                 </a:solidFill>
@@ -2603,14 +2603,14 @@
           <a:ln/>
           <a:extLst>
             <a:ext uri="{909E8E84-426E-40dd-AFC4-6F175D3DCCD1}">
-              <a14:hiddenFill xmlns="" xmlns:a14="http://schemas.microsoft.com/office/drawing/2010/main">
+              <a14:hiddenFill xmlns:a14="http://schemas.microsoft.com/office/drawing/2010/main" xmlns="">
                 <a:solidFill>
                   <a:srgbClr val="FFFFFF"/>
                 </a:solidFill>
               </a14:hiddenFill>
             </a:ext>
             <a:ext uri="{91240B29-F687-4f45-9708-019B960494DF}">
-              <a14:hiddenLine xmlns="" xmlns:a14="http://schemas.microsoft.com/office/drawing/2010/main" w="9525">
+              <a14:hiddenLine xmlns:a14="http://schemas.microsoft.com/office/drawing/2010/main" xmlns="" w="9525">
                 <a:solidFill>
                   <a:srgbClr val="000000"/>
                 </a:solidFill>
@@ -2711,14 +2711,14 @@
               <ma14:placeholderFlag xmlns:ma14="http://schemas.microsoft.com/office/mac/drawingml/2011/main" val="1"/>
             </a:ext>
             <a:ext uri="{909E8E84-426E-40dd-AFC4-6F175D3DCCD1}">
-              <a14:hiddenFill xmlns="" xmlns:a14="http://schemas.microsoft.com/office/drawing/2010/main">
+              <a14:hiddenFill xmlns:a14="http://schemas.microsoft.com/office/drawing/2010/main" xmlns="">
                 <a:solidFill>
                   <a:srgbClr val="FFFFFF"/>
                 </a:solidFill>
               </a14:hiddenFill>
             </a:ext>
             <a:ext uri="{91240B29-F687-4f45-9708-019B960494DF}">
-              <a14:hiddenLine xmlns="" xmlns:a14="http://schemas.microsoft.com/office/drawing/2010/main" w="9525">
+              <a14:hiddenLine xmlns:a14="http://schemas.microsoft.com/office/drawing/2010/main" xmlns="" w="9525">
                 <a:solidFill>
                   <a:srgbClr val="000000"/>
                 </a:solidFill>
@@ -2802,14 +2802,14 @@
               <ma14:placeholderFlag xmlns:ma14="http://schemas.microsoft.com/office/mac/drawingml/2011/main" val="1"/>
             </a:ext>
             <a:ext uri="{909E8E84-426E-40dd-AFC4-6F175D3DCCD1}">
-              <a14:hiddenFill xmlns="" xmlns:a14="http://schemas.microsoft.com/office/drawing/2010/main">
+              <a14:hiddenFill xmlns:a14="http://schemas.microsoft.com/office/drawing/2010/main" xmlns="">
                 <a:solidFill>
                   <a:srgbClr val="FFFFFF"/>
                 </a:solidFill>
               </a14:hiddenFill>
             </a:ext>
             <a:ext uri="{91240B29-F687-4f45-9708-019B960494DF}">
-              <a14:hiddenLine xmlns="" xmlns:a14="http://schemas.microsoft.com/office/drawing/2010/main" w="9525">
+              <a14:hiddenLine xmlns:a14="http://schemas.microsoft.com/office/drawing/2010/main" xmlns="" w="9525">
                 <a:solidFill>
                   <a:srgbClr val="000000"/>
                 </a:solidFill>
@@ -2991,14 +2991,14 @@
           <a:ln/>
           <a:extLst>
             <a:ext uri="{909E8E84-426E-40dd-AFC4-6F175D3DCCD1}">
-              <a14:hiddenFill xmlns="" xmlns:a14="http://schemas.microsoft.com/office/drawing/2010/main">
+              <a14:hiddenFill xmlns:a14="http://schemas.microsoft.com/office/drawing/2010/main" xmlns="">
                 <a:solidFill>
                   <a:srgbClr val="FFFFFF"/>
                 </a:solidFill>
               </a14:hiddenFill>
             </a:ext>
             <a:ext uri="{91240B29-F687-4f45-9708-019B960494DF}">
-              <a14:hiddenLine xmlns="" xmlns:a14="http://schemas.microsoft.com/office/drawing/2010/main" w="9525">
+              <a14:hiddenLine xmlns:a14="http://schemas.microsoft.com/office/drawing/2010/main" xmlns="" w="9525">
                 <a:solidFill>
                   <a:srgbClr val="000000"/>
                 </a:solidFill>
@@ -3248,14 +3248,14 @@
           <a:ln/>
           <a:extLst>
             <a:ext uri="{909E8E84-426E-40dd-AFC4-6F175D3DCCD1}">
-              <a14:hiddenFill xmlns="" xmlns:a14="http://schemas.microsoft.com/office/drawing/2010/main">
+              <a14:hiddenFill xmlns:a14="http://schemas.microsoft.com/office/drawing/2010/main" xmlns="">
                 <a:solidFill>
                   <a:srgbClr val="FFFFFF"/>
                 </a:solidFill>
               </a14:hiddenFill>
             </a:ext>
             <a:ext uri="{91240B29-F687-4f45-9708-019B960494DF}">
-              <a14:hiddenLine xmlns="" xmlns:a14="http://schemas.microsoft.com/office/drawing/2010/main" w="9525">
+              <a14:hiddenLine xmlns:a14="http://schemas.microsoft.com/office/drawing/2010/main" xmlns="" w="9525">
                 <a:solidFill>
                   <a:srgbClr val="000000"/>
                 </a:solidFill>
@@ -3596,7 +3596,7 @@
           <a:p>
             <a:fld id="{ECF56177-CEF1-0141-836F-3867E7E9C1D8}" type="datetime1">
               <a:rPr lang="en-US" smtClean="0"/>
-              <a:t>2/13/18</a:t>
+              <a:t>3/10/18</a:t>
             </a:fld>
             <a:endParaRPr lang="en-US"/>
           </a:p>
@@ -3766,7 +3766,7 @@
           <a:p>
             <a:fld id="{4CDC8FB9-92E9-4C40-A76A-6D1CDAB665BB}" type="datetime1">
               <a:rPr lang="en-US" smtClean="0"/>
-              <a:t>2/13/18</a:t>
+              <a:t>3/10/18</a:t>
             </a:fld>
             <a:endParaRPr lang="en-US"/>
           </a:p>
@@ -3946,7 +3946,7 @@
           <a:p>
             <a:fld id="{F8F03505-CCE7-CA4C-B4F1-35193B6B5156}" type="datetime1">
               <a:rPr lang="en-US" smtClean="0"/>
-              <a:t>2/13/18</a:t>
+              <a:t>3/10/18</a:t>
             </a:fld>
             <a:endParaRPr lang="en-US"/>
           </a:p>
@@ -4116,7 +4116,7 @@
           <a:p>
             <a:fld id="{A02E57FB-CD21-0942-A714-152EC4568E9D}" type="datetime1">
               <a:rPr lang="en-US" smtClean="0"/>
-              <a:t>2/13/18</a:t>
+              <a:t>3/10/18</a:t>
             </a:fld>
             <a:endParaRPr lang="en-US"/>
           </a:p>
@@ -4360,7 +4360,7 @@
           <a:p>
             <a:fld id="{77AD2927-A654-D74D-A6C0-BF96EF7229C7}" type="datetime1">
               <a:rPr lang="en-US" smtClean="0"/>
-              <a:t>2/13/18</a:t>
+              <a:t>3/10/18</a:t>
             </a:fld>
             <a:endParaRPr lang="en-US"/>
           </a:p>
@@ -4592,7 +4592,7 @@
           <a:p>
             <a:fld id="{37B554B6-7788-2348-9289-7CAD598A9555}" type="datetime1">
               <a:rPr lang="en-US" smtClean="0"/>
-              <a:t>2/13/18</a:t>
+              <a:t>3/10/18</a:t>
             </a:fld>
             <a:endParaRPr lang="en-US"/>
           </a:p>
@@ -4959,7 +4959,7 @@
           <a:p>
             <a:fld id="{CCE331CB-FA13-3243-AD80-8733E43C7C1F}" type="datetime1">
               <a:rPr lang="en-US" smtClean="0"/>
-              <a:t>2/13/18</a:t>
+              <a:t>3/10/18</a:t>
             </a:fld>
             <a:endParaRPr lang="en-US"/>
           </a:p>
@@ -5077,7 +5077,7 @@
           <a:p>
             <a:fld id="{C0172A9A-4F1F-854A-9B1E-96AFCC4A9B03}" type="datetime1">
               <a:rPr lang="en-US" smtClean="0"/>
-              <a:t>2/13/18</a:t>
+              <a:t>3/10/18</a:t>
             </a:fld>
             <a:endParaRPr lang="en-US"/>
           </a:p>
@@ -5172,7 +5172,7 @@
           <a:p>
             <a:fld id="{2D504595-1B90-0F4A-A1D0-6609637EC4CD}" type="datetime1">
               <a:rPr lang="en-US" smtClean="0"/>
-              <a:t>2/13/18</a:t>
+              <a:t>3/10/18</a:t>
             </a:fld>
             <a:endParaRPr lang="en-US"/>
           </a:p>
@@ -5449,7 +5449,7 @@
           <a:p>
             <a:fld id="{F48EB26F-796F-BD4B-9EC5-A039FE9C305B}" type="datetime1">
               <a:rPr lang="en-US" smtClean="0"/>
-              <a:t>2/13/18</a:t>
+              <a:t>3/10/18</a:t>
             </a:fld>
             <a:endParaRPr lang="en-US"/>
           </a:p>
@@ -5706,7 +5706,7 @@
           <a:p>
             <a:fld id="{CDC2C28A-C946-0143-970B-84B8FE5654F4}" type="datetime1">
               <a:rPr lang="en-US" smtClean="0"/>
-              <a:t>2/13/18</a:t>
+              <a:t>3/10/18</a:t>
             </a:fld>
             <a:endParaRPr lang="en-US"/>
           </a:p>
@@ -5919,7 +5919,7 @@
           <a:p>
             <a:fld id="{A831EFE4-169C-9248-BC74-4797ECDAE130}" type="datetime1">
               <a:rPr lang="en-US" smtClean="0"/>
-              <a:t>2/13/18</a:t>
+              <a:t>3/10/18</a:t>
             </a:fld>
             <a:endParaRPr lang="en-US"/>
           </a:p>
@@ -9642,14 +9642,14 @@
           <a:effectLst/>
           <a:extLst>
             <a:ext uri="{909E8E84-426E-40dd-AFC4-6F175D3DCCD1}">
-              <a14:hiddenFill xmlns="" xmlns:a14="http://schemas.microsoft.com/office/drawing/2010/main">
+              <a14:hiddenFill xmlns:a14="http://schemas.microsoft.com/office/drawing/2010/main" xmlns="">
                 <a:solidFill>
                   <a:schemeClr val="bg2"/>
                 </a:solidFill>
               </a14:hiddenFill>
             </a:ext>
             <a:ext uri="{91240B29-F687-4f45-9708-019B960494DF}">
-              <a14:hiddenLine xmlns="" xmlns:a14="http://schemas.microsoft.com/office/drawing/2010/main" w="12700">
+              <a14:hiddenLine xmlns:a14="http://schemas.microsoft.com/office/drawing/2010/main" xmlns="" w="12700">
                 <a:solidFill>
                   <a:schemeClr val="tx1"/>
                 </a:solidFill>
@@ -9659,7 +9659,7 @@
               </a14:hiddenLine>
             </a:ext>
             <a:ext uri="{AF507438-7753-43e0-B8FC-AC1667EBCBE1}">
-              <a14:hiddenEffects xmlns="" xmlns:a14="http://schemas.microsoft.com/office/drawing/2010/main">
+              <a14:hiddenEffects xmlns:a14="http://schemas.microsoft.com/office/drawing/2010/main" xmlns="">
                 <a:effectLst>
                   <a:outerShdw blurRad="63500" dist="38099" dir="2700000" algn="ctr" rotWithShape="0">
                     <a:schemeClr val="bg2">
@@ -9710,14 +9710,14 @@
           <a:effectLst/>
           <a:extLst>
             <a:ext uri="{909E8E84-426E-40dd-AFC4-6F175D3DCCD1}">
-              <a14:hiddenFill xmlns="" xmlns:a14="http://schemas.microsoft.com/office/drawing/2010/main">
+              <a14:hiddenFill xmlns:a14="http://schemas.microsoft.com/office/drawing/2010/main" xmlns="">
                 <a:solidFill>
                   <a:schemeClr val="bg2"/>
                 </a:solidFill>
               </a14:hiddenFill>
             </a:ext>
             <a:ext uri="{91240B29-F687-4f45-9708-019B960494DF}">
-              <a14:hiddenLine xmlns="" xmlns:a14="http://schemas.microsoft.com/office/drawing/2010/main" w="12700">
+              <a14:hiddenLine xmlns:a14="http://schemas.microsoft.com/office/drawing/2010/main" xmlns="" w="12700">
                 <a:solidFill>
                   <a:schemeClr val="tx1"/>
                 </a:solidFill>
@@ -9727,7 +9727,7 @@
               </a14:hiddenLine>
             </a:ext>
             <a:ext uri="{AF507438-7753-43e0-B8FC-AC1667EBCBE1}">
-              <a14:hiddenEffects xmlns="" xmlns:a14="http://schemas.microsoft.com/office/drawing/2010/main">
+              <a14:hiddenEffects xmlns:a14="http://schemas.microsoft.com/office/drawing/2010/main" xmlns="">
                 <a:effectLst>
                   <a:outerShdw blurRad="63500" dist="38099" dir="2700000" algn="ctr" rotWithShape="0">
                     <a:schemeClr val="bg2">
@@ -9778,14 +9778,14 @@
           <a:effectLst/>
           <a:extLst>
             <a:ext uri="{909E8E84-426E-40dd-AFC4-6F175D3DCCD1}">
-              <a14:hiddenFill xmlns="" xmlns:a14="http://schemas.microsoft.com/office/drawing/2010/main">
+              <a14:hiddenFill xmlns:a14="http://schemas.microsoft.com/office/drawing/2010/main" xmlns="">
                 <a:solidFill>
                   <a:schemeClr val="bg2"/>
                 </a:solidFill>
               </a14:hiddenFill>
             </a:ext>
             <a:ext uri="{91240B29-F687-4f45-9708-019B960494DF}">
-              <a14:hiddenLine xmlns="" xmlns:a14="http://schemas.microsoft.com/office/drawing/2010/main" w="12700">
+              <a14:hiddenLine xmlns:a14="http://schemas.microsoft.com/office/drawing/2010/main" xmlns="" w="12700">
                 <a:solidFill>
                   <a:schemeClr val="tx1"/>
                 </a:solidFill>
@@ -9795,7 +9795,7 @@
               </a14:hiddenLine>
             </a:ext>
             <a:ext uri="{AF507438-7753-43e0-B8FC-AC1667EBCBE1}">
-              <a14:hiddenEffects xmlns="" xmlns:a14="http://schemas.microsoft.com/office/drawing/2010/main">
+              <a14:hiddenEffects xmlns:a14="http://schemas.microsoft.com/office/drawing/2010/main" xmlns="">
                 <a:effectLst>
                   <a:outerShdw blurRad="63500" dist="38099" dir="2700000" algn="ctr" rotWithShape="0">
                     <a:schemeClr val="bg2">
@@ -9846,14 +9846,14 @@
           <a:effectLst/>
           <a:extLst>
             <a:ext uri="{909E8E84-426E-40dd-AFC4-6F175D3DCCD1}">
-              <a14:hiddenFill xmlns="" xmlns:a14="http://schemas.microsoft.com/office/drawing/2010/main">
+              <a14:hiddenFill xmlns:a14="http://schemas.microsoft.com/office/drawing/2010/main" xmlns="">
                 <a:solidFill>
                   <a:schemeClr val="bg2"/>
                 </a:solidFill>
               </a14:hiddenFill>
             </a:ext>
             <a:ext uri="{91240B29-F687-4f45-9708-019B960494DF}">
-              <a14:hiddenLine xmlns="" xmlns:a14="http://schemas.microsoft.com/office/drawing/2010/main" w="12700">
+              <a14:hiddenLine xmlns:a14="http://schemas.microsoft.com/office/drawing/2010/main" xmlns="" w="12700">
                 <a:solidFill>
                   <a:schemeClr val="tx1"/>
                 </a:solidFill>
@@ -9863,7 +9863,7 @@
               </a14:hiddenLine>
             </a:ext>
             <a:ext uri="{AF507438-7753-43e0-B8FC-AC1667EBCBE1}">
-              <a14:hiddenEffects xmlns="" xmlns:a14="http://schemas.microsoft.com/office/drawing/2010/main">
+              <a14:hiddenEffects xmlns:a14="http://schemas.microsoft.com/office/drawing/2010/main" xmlns="">
                 <a:effectLst>
                   <a:outerShdw blurRad="63500" dist="38099" dir="2700000" algn="ctr" rotWithShape="0">
                     <a:schemeClr val="bg2">
@@ -9914,14 +9914,14 @@
           <a:effectLst/>
           <a:extLst>
             <a:ext uri="{909E8E84-426E-40dd-AFC4-6F175D3DCCD1}">
-              <a14:hiddenFill xmlns="" xmlns:a14="http://schemas.microsoft.com/office/drawing/2010/main">
+              <a14:hiddenFill xmlns:a14="http://schemas.microsoft.com/office/drawing/2010/main" xmlns="">
                 <a:solidFill>
                   <a:schemeClr val="bg2"/>
                 </a:solidFill>
               </a14:hiddenFill>
             </a:ext>
             <a:ext uri="{91240B29-F687-4f45-9708-019B960494DF}">
-              <a14:hiddenLine xmlns="" xmlns:a14="http://schemas.microsoft.com/office/drawing/2010/main" w="12700">
+              <a14:hiddenLine xmlns:a14="http://schemas.microsoft.com/office/drawing/2010/main" xmlns="" w="12700">
                 <a:solidFill>
                   <a:schemeClr val="tx1"/>
                 </a:solidFill>
@@ -9931,7 +9931,7 @@
               </a14:hiddenLine>
             </a:ext>
             <a:ext uri="{AF507438-7753-43e0-B8FC-AC1667EBCBE1}">
-              <a14:hiddenEffects xmlns="" xmlns:a14="http://schemas.microsoft.com/office/drawing/2010/main">
+              <a14:hiddenEffects xmlns:a14="http://schemas.microsoft.com/office/drawing/2010/main" xmlns="">
                 <a:effectLst>
                   <a:outerShdw blurRad="63500" dist="38099" dir="2700000" algn="ctr" rotWithShape="0">
                     <a:schemeClr val="bg2">
@@ -9982,14 +9982,14 @@
           <a:effectLst/>
           <a:extLst>
             <a:ext uri="{909E8E84-426E-40dd-AFC4-6F175D3DCCD1}">
-              <a14:hiddenFill xmlns="" xmlns:a14="http://schemas.microsoft.com/office/drawing/2010/main">
+              <a14:hiddenFill xmlns:a14="http://schemas.microsoft.com/office/drawing/2010/main" xmlns="">
                 <a:solidFill>
                   <a:schemeClr val="bg2"/>
                 </a:solidFill>
               </a14:hiddenFill>
             </a:ext>
             <a:ext uri="{91240B29-F687-4f45-9708-019B960494DF}">
-              <a14:hiddenLine xmlns="" xmlns:a14="http://schemas.microsoft.com/office/drawing/2010/main" w="12700">
+              <a14:hiddenLine xmlns:a14="http://schemas.microsoft.com/office/drawing/2010/main" xmlns="" w="12700">
                 <a:solidFill>
                   <a:schemeClr val="tx1"/>
                 </a:solidFill>
@@ -9999,7 +9999,7 @@
               </a14:hiddenLine>
             </a:ext>
             <a:ext uri="{AF507438-7753-43e0-B8FC-AC1667EBCBE1}">
-              <a14:hiddenEffects xmlns="" xmlns:a14="http://schemas.microsoft.com/office/drawing/2010/main">
+              <a14:hiddenEffects xmlns:a14="http://schemas.microsoft.com/office/drawing/2010/main" xmlns="">
                 <a:effectLst>
                   <a:outerShdw blurRad="63500" dist="38099" dir="2700000" algn="ctr" rotWithShape="0">
                     <a:schemeClr val="bg2">
@@ -10050,14 +10050,14 @@
           <a:effectLst/>
           <a:extLst>
             <a:ext uri="{909E8E84-426E-40dd-AFC4-6F175D3DCCD1}">
-              <a14:hiddenFill xmlns="" xmlns:a14="http://schemas.microsoft.com/office/drawing/2010/main">
+              <a14:hiddenFill xmlns:a14="http://schemas.microsoft.com/office/drawing/2010/main" xmlns="">
                 <a:solidFill>
                   <a:schemeClr val="bg2"/>
                 </a:solidFill>
               </a14:hiddenFill>
             </a:ext>
             <a:ext uri="{91240B29-F687-4f45-9708-019B960494DF}">
-              <a14:hiddenLine xmlns="" xmlns:a14="http://schemas.microsoft.com/office/drawing/2010/main" w="12700">
+              <a14:hiddenLine xmlns:a14="http://schemas.microsoft.com/office/drawing/2010/main" xmlns="" w="12700">
                 <a:solidFill>
                   <a:schemeClr val="tx1"/>
                 </a:solidFill>
@@ -10067,7 +10067,7 @@
               </a14:hiddenLine>
             </a:ext>
             <a:ext uri="{AF507438-7753-43e0-B8FC-AC1667EBCBE1}">
-              <a14:hiddenEffects xmlns="" xmlns:a14="http://schemas.microsoft.com/office/drawing/2010/main">
+              <a14:hiddenEffects xmlns:a14="http://schemas.microsoft.com/office/drawing/2010/main" xmlns="">
                 <a:effectLst>
                   <a:outerShdw blurRad="63500" dist="38099" dir="2700000" algn="ctr" rotWithShape="0">
                     <a:schemeClr val="bg2">
@@ -10118,14 +10118,14 @@
           <a:effectLst/>
           <a:extLst>
             <a:ext uri="{909E8E84-426E-40dd-AFC4-6F175D3DCCD1}">
-              <a14:hiddenFill xmlns="" xmlns:a14="http://schemas.microsoft.com/office/drawing/2010/main">
+              <a14:hiddenFill xmlns:a14="http://schemas.microsoft.com/office/drawing/2010/main" xmlns="">
                 <a:solidFill>
                   <a:schemeClr val="bg2"/>
                 </a:solidFill>
               </a14:hiddenFill>
             </a:ext>
             <a:ext uri="{91240B29-F687-4f45-9708-019B960494DF}">
-              <a14:hiddenLine xmlns="" xmlns:a14="http://schemas.microsoft.com/office/drawing/2010/main" w="12700">
+              <a14:hiddenLine xmlns:a14="http://schemas.microsoft.com/office/drawing/2010/main" xmlns="" w="12700">
                 <a:solidFill>
                   <a:schemeClr val="tx1"/>
                 </a:solidFill>
@@ -10135,7 +10135,7 @@
               </a14:hiddenLine>
             </a:ext>
             <a:ext uri="{AF507438-7753-43e0-B8FC-AC1667EBCBE1}">
-              <a14:hiddenEffects xmlns="" xmlns:a14="http://schemas.microsoft.com/office/drawing/2010/main">
+              <a14:hiddenEffects xmlns:a14="http://schemas.microsoft.com/office/drawing/2010/main" xmlns="">
                 <a:effectLst>
                   <a:outerShdw blurRad="63500" dist="38099" dir="2700000" algn="ctr" rotWithShape="0">
                     <a:schemeClr val="bg2">
@@ -10186,14 +10186,14 @@
           <a:effectLst/>
           <a:extLst>
             <a:ext uri="{909E8E84-426E-40dd-AFC4-6F175D3DCCD1}">
-              <a14:hiddenFill xmlns="" xmlns:a14="http://schemas.microsoft.com/office/drawing/2010/main">
+              <a14:hiddenFill xmlns:a14="http://schemas.microsoft.com/office/drawing/2010/main" xmlns="">
                 <a:solidFill>
                   <a:schemeClr val="bg2"/>
                 </a:solidFill>
               </a14:hiddenFill>
             </a:ext>
             <a:ext uri="{91240B29-F687-4f45-9708-019B960494DF}">
-              <a14:hiddenLine xmlns="" xmlns:a14="http://schemas.microsoft.com/office/drawing/2010/main" w="12700">
+              <a14:hiddenLine xmlns:a14="http://schemas.microsoft.com/office/drawing/2010/main" xmlns="" w="12700">
                 <a:solidFill>
                   <a:schemeClr val="tx1"/>
                 </a:solidFill>
@@ -10203,7 +10203,7 @@
               </a14:hiddenLine>
             </a:ext>
             <a:ext uri="{AF507438-7753-43e0-B8FC-AC1667EBCBE1}">
-              <a14:hiddenEffects xmlns="" xmlns:a14="http://schemas.microsoft.com/office/drawing/2010/main">
+              <a14:hiddenEffects xmlns:a14="http://schemas.microsoft.com/office/drawing/2010/main" xmlns="">
                 <a:effectLst>
                   <a:outerShdw blurRad="63500" dist="38099" dir="2700000" algn="ctr" rotWithShape="0">
                     <a:schemeClr val="bg2">
@@ -10254,14 +10254,14 @@
           <a:effectLst/>
           <a:extLst>
             <a:ext uri="{909E8E84-426E-40dd-AFC4-6F175D3DCCD1}">
-              <a14:hiddenFill xmlns="" xmlns:a14="http://schemas.microsoft.com/office/drawing/2010/main">
+              <a14:hiddenFill xmlns:a14="http://schemas.microsoft.com/office/drawing/2010/main" xmlns="">
                 <a:solidFill>
                   <a:schemeClr val="bg2"/>
                 </a:solidFill>
               </a14:hiddenFill>
             </a:ext>
             <a:ext uri="{91240B29-F687-4f45-9708-019B960494DF}">
-              <a14:hiddenLine xmlns="" xmlns:a14="http://schemas.microsoft.com/office/drawing/2010/main" w="12700">
+              <a14:hiddenLine xmlns:a14="http://schemas.microsoft.com/office/drawing/2010/main" xmlns="" w="12700">
                 <a:solidFill>
                   <a:schemeClr val="tx1"/>
                 </a:solidFill>
@@ -10271,7 +10271,7 @@
               </a14:hiddenLine>
             </a:ext>
             <a:ext uri="{AF507438-7753-43e0-B8FC-AC1667EBCBE1}">
-              <a14:hiddenEffects xmlns="" xmlns:a14="http://schemas.microsoft.com/office/drawing/2010/main">
+              <a14:hiddenEffects xmlns:a14="http://schemas.microsoft.com/office/drawing/2010/main" xmlns="">
                 <a:effectLst>
                   <a:outerShdw blurRad="63500" dist="38099" dir="2700000" algn="ctr" rotWithShape="0">
                     <a:schemeClr val="bg2">
@@ -10325,14 +10325,14 @@
           <a:effectLst/>
           <a:extLst>
             <a:ext uri="{909E8E84-426E-40dd-AFC4-6F175D3DCCD1}">
-              <a14:hiddenFill xmlns="" xmlns:a14="http://schemas.microsoft.com/office/drawing/2010/main">
+              <a14:hiddenFill xmlns:a14="http://schemas.microsoft.com/office/drawing/2010/main" xmlns="">
                 <a:solidFill>
                   <a:schemeClr val="bg2"/>
                 </a:solidFill>
               </a14:hiddenFill>
             </a:ext>
             <a:ext uri="{91240B29-F687-4f45-9708-019B960494DF}">
-              <a14:hiddenLine xmlns="" xmlns:a14="http://schemas.microsoft.com/office/drawing/2010/main" w="12700">
+              <a14:hiddenLine xmlns:a14="http://schemas.microsoft.com/office/drawing/2010/main" xmlns="" w="12700">
                 <a:solidFill>
                   <a:schemeClr val="tx1"/>
                 </a:solidFill>
@@ -10342,7 +10342,7 @@
               </a14:hiddenLine>
             </a:ext>
             <a:ext uri="{AF507438-7753-43e0-B8FC-AC1667EBCBE1}">
-              <a14:hiddenEffects xmlns="" xmlns:a14="http://schemas.microsoft.com/office/drawing/2010/main">
+              <a14:hiddenEffects xmlns:a14="http://schemas.microsoft.com/office/drawing/2010/main" xmlns="">
                 <a:effectLst>
                   <a:outerShdw blurRad="63500" dist="38099" dir="2700000" algn="ctr" rotWithShape="0">
                     <a:schemeClr val="bg2">
@@ -10401,12 +10401,12 @@
           <a:effectLst/>
           <a:extLst>
             <a:ext uri="{909E8E84-426E-40dd-AFC4-6F175D3DCCD1}">
-              <a14:hiddenFill xmlns="" xmlns:a14="http://schemas.microsoft.com/office/drawing/2010/main">
+              <a14:hiddenFill xmlns:a14="http://schemas.microsoft.com/office/drawing/2010/main" xmlns="">
                 <a:noFill/>
               </a14:hiddenFill>
             </a:ext>
             <a:ext uri="{AF507438-7753-43e0-B8FC-AC1667EBCBE1}">
-              <a14:hiddenEffects xmlns="" xmlns:a14="http://schemas.microsoft.com/office/drawing/2010/main">
+              <a14:hiddenEffects xmlns:a14="http://schemas.microsoft.com/office/drawing/2010/main" xmlns="">
                 <a:effectLst>
                   <a:outerShdw blurRad="63500" dist="38099" dir="2700000" algn="ctr" rotWithShape="0">
                     <a:schemeClr val="bg2">
@@ -10449,14 +10449,14 @@
           <a:effectLst/>
           <a:extLst>
             <a:ext uri="{909E8E84-426E-40dd-AFC4-6F175D3DCCD1}">
-              <a14:hiddenFill xmlns="" xmlns:a14="http://schemas.microsoft.com/office/drawing/2010/main">
+              <a14:hiddenFill xmlns:a14="http://schemas.microsoft.com/office/drawing/2010/main" xmlns="">
                 <a:solidFill>
                   <a:schemeClr val="bg2"/>
                 </a:solidFill>
               </a14:hiddenFill>
             </a:ext>
             <a:ext uri="{91240B29-F687-4f45-9708-019B960494DF}">
-              <a14:hiddenLine xmlns="" xmlns:a14="http://schemas.microsoft.com/office/drawing/2010/main" w="12700">
+              <a14:hiddenLine xmlns:a14="http://schemas.microsoft.com/office/drawing/2010/main" xmlns="" w="12700">
                 <a:solidFill>
                   <a:schemeClr val="tx1"/>
                 </a:solidFill>
@@ -10466,7 +10466,7 @@
               </a14:hiddenLine>
             </a:ext>
             <a:ext uri="{AF507438-7753-43e0-B8FC-AC1667EBCBE1}">
-              <a14:hiddenEffects xmlns="" xmlns:a14="http://schemas.microsoft.com/office/drawing/2010/main">
+              <a14:hiddenEffects xmlns:a14="http://schemas.microsoft.com/office/drawing/2010/main" xmlns="">
                 <a:effectLst>
                   <a:outerShdw blurRad="63500" dist="38099" dir="2700000" algn="ctr" rotWithShape="0">
                     <a:schemeClr val="bg2">
@@ -10525,12 +10525,12 @@
           <a:effectLst/>
           <a:extLst>
             <a:ext uri="{909E8E84-426E-40dd-AFC4-6F175D3DCCD1}">
-              <a14:hiddenFill xmlns="" xmlns:a14="http://schemas.microsoft.com/office/drawing/2010/main">
+              <a14:hiddenFill xmlns:a14="http://schemas.microsoft.com/office/drawing/2010/main" xmlns="">
                 <a:noFill/>
               </a14:hiddenFill>
             </a:ext>
             <a:ext uri="{AF507438-7753-43e0-B8FC-AC1667EBCBE1}">
-              <a14:hiddenEffects xmlns="" xmlns:a14="http://schemas.microsoft.com/office/drawing/2010/main">
+              <a14:hiddenEffects xmlns:a14="http://schemas.microsoft.com/office/drawing/2010/main" xmlns="">
                 <a:effectLst>
                   <a:outerShdw blurRad="63500" dist="38099" dir="2700000" algn="ctr" rotWithShape="0">
                     <a:schemeClr val="bg2">
@@ -10578,12 +10578,12 @@
           <a:effectLst/>
           <a:extLst>
             <a:ext uri="{909E8E84-426E-40dd-AFC4-6F175D3DCCD1}">
-              <a14:hiddenFill xmlns="" xmlns:a14="http://schemas.microsoft.com/office/drawing/2010/main">
+              <a14:hiddenFill xmlns:a14="http://schemas.microsoft.com/office/drawing/2010/main" xmlns="">
                 <a:noFill/>
               </a14:hiddenFill>
             </a:ext>
             <a:ext uri="{AF507438-7753-43e0-B8FC-AC1667EBCBE1}">
-              <a14:hiddenEffects xmlns="" xmlns:a14="http://schemas.microsoft.com/office/drawing/2010/main">
+              <a14:hiddenEffects xmlns:a14="http://schemas.microsoft.com/office/drawing/2010/main" xmlns="">
                 <a:effectLst>
                   <a:outerShdw blurRad="63500" dist="38099" dir="2700000" algn="ctr" rotWithShape="0">
                     <a:schemeClr val="bg2">
@@ -10631,12 +10631,12 @@
           <a:effectLst/>
           <a:extLst>
             <a:ext uri="{909E8E84-426E-40dd-AFC4-6F175D3DCCD1}">
-              <a14:hiddenFill xmlns="" xmlns:a14="http://schemas.microsoft.com/office/drawing/2010/main">
+              <a14:hiddenFill xmlns:a14="http://schemas.microsoft.com/office/drawing/2010/main" xmlns="">
                 <a:noFill/>
               </a14:hiddenFill>
             </a:ext>
             <a:ext uri="{AF507438-7753-43e0-B8FC-AC1667EBCBE1}">
-              <a14:hiddenEffects xmlns="" xmlns:a14="http://schemas.microsoft.com/office/drawing/2010/main">
+              <a14:hiddenEffects xmlns:a14="http://schemas.microsoft.com/office/drawing/2010/main" xmlns="">
                 <a:effectLst>
                   <a:outerShdw blurRad="63500" dist="38099" dir="2700000" algn="ctr" rotWithShape="0">
                     <a:schemeClr val="bg2">
@@ -10684,12 +10684,12 @@
           <a:effectLst/>
           <a:extLst>
             <a:ext uri="{909E8E84-426E-40dd-AFC4-6F175D3DCCD1}">
-              <a14:hiddenFill xmlns="" xmlns:a14="http://schemas.microsoft.com/office/drawing/2010/main">
+              <a14:hiddenFill xmlns:a14="http://schemas.microsoft.com/office/drawing/2010/main" xmlns="">
                 <a:noFill/>
               </a14:hiddenFill>
             </a:ext>
             <a:ext uri="{AF507438-7753-43e0-B8FC-AC1667EBCBE1}">
-              <a14:hiddenEffects xmlns="" xmlns:a14="http://schemas.microsoft.com/office/drawing/2010/main">
+              <a14:hiddenEffects xmlns:a14="http://schemas.microsoft.com/office/drawing/2010/main" xmlns="">
                 <a:effectLst>
                   <a:outerShdw blurRad="63500" dist="38099" dir="2700000" algn="ctr" rotWithShape="0">
                     <a:schemeClr val="bg2">
@@ -10737,12 +10737,12 @@
           <a:effectLst/>
           <a:extLst>
             <a:ext uri="{909E8E84-426E-40dd-AFC4-6F175D3DCCD1}">
-              <a14:hiddenFill xmlns="" xmlns:a14="http://schemas.microsoft.com/office/drawing/2010/main">
+              <a14:hiddenFill xmlns:a14="http://schemas.microsoft.com/office/drawing/2010/main" xmlns="">
                 <a:noFill/>
               </a14:hiddenFill>
             </a:ext>
             <a:ext uri="{AF507438-7753-43e0-B8FC-AC1667EBCBE1}">
-              <a14:hiddenEffects xmlns="" xmlns:a14="http://schemas.microsoft.com/office/drawing/2010/main">
+              <a14:hiddenEffects xmlns:a14="http://schemas.microsoft.com/office/drawing/2010/main" xmlns="">
                 <a:effectLst>
                   <a:outerShdw blurRad="63500" dist="38099" dir="2700000" algn="ctr" rotWithShape="0">
                     <a:schemeClr val="bg2">
@@ -10790,12 +10790,12 @@
           <a:effectLst/>
           <a:extLst>
             <a:ext uri="{909E8E84-426E-40dd-AFC4-6F175D3DCCD1}">
-              <a14:hiddenFill xmlns="" xmlns:a14="http://schemas.microsoft.com/office/drawing/2010/main">
+              <a14:hiddenFill xmlns:a14="http://schemas.microsoft.com/office/drawing/2010/main" xmlns="">
                 <a:noFill/>
               </a14:hiddenFill>
             </a:ext>
             <a:ext uri="{AF507438-7753-43e0-B8FC-AC1667EBCBE1}">
-              <a14:hiddenEffects xmlns="" xmlns:a14="http://schemas.microsoft.com/office/drawing/2010/main">
+              <a14:hiddenEffects xmlns:a14="http://schemas.microsoft.com/office/drawing/2010/main" xmlns="">
                 <a:effectLst>
                   <a:outerShdw blurRad="63500" dist="38099" dir="2700000" algn="ctr" rotWithShape="0">
                     <a:schemeClr val="bg2">
@@ -10843,12 +10843,12 @@
           <a:effectLst/>
           <a:extLst>
             <a:ext uri="{909E8E84-426E-40dd-AFC4-6F175D3DCCD1}">
-              <a14:hiddenFill xmlns="" xmlns:a14="http://schemas.microsoft.com/office/drawing/2010/main">
+              <a14:hiddenFill xmlns:a14="http://schemas.microsoft.com/office/drawing/2010/main" xmlns="">
                 <a:noFill/>
               </a14:hiddenFill>
             </a:ext>
             <a:ext uri="{AF507438-7753-43e0-B8FC-AC1667EBCBE1}">
-              <a14:hiddenEffects xmlns="" xmlns:a14="http://schemas.microsoft.com/office/drawing/2010/main">
+              <a14:hiddenEffects xmlns:a14="http://schemas.microsoft.com/office/drawing/2010/main" xmlns="">
                 <a:effectLst>
                   <a:outerShdw blurRad="63500" dist="38099" dir="2700000" algn="ctr" rotWithShape="0">
                     <a:schemeClr val="bg2">
@@ -10896,12 +10896,12 @@
           <a:effectLst/>
           <a:extLst>
             <a:ext uri="{909E8E84-426E-40dd-AFC4-6F175D3DCCD1}">
-              <a14:hiddenFill xmlns="" xmlns:a14="http://schemas.microsoft.com/office/drawing/2010/main">
+              <a14:hiddenFill xmlns:a14="http://schemas.microsoft.com/office/drawing/2010/main" xmlns="">
                 <a:noFill/>
               </a14:hiddenFill>
             </a:ext>
             <a:ext uri="{AF507438-7753-43e0-B8FC-AC1667EBCBE1}">
-              <a14:hiddenEffects xmlns="" xmlns:a14="http://schemas.microsoft.com/office/drawing/2010/main">
+              <a14:hiddenEffects xmlns:a14="http://schemas.microsoft.com/office/drawing/2010/main" xmlns="">
                 <a:effectLst>
                   <a:outerShdw blurRad="63500" dist="38099" dir="2700000" algn="ctr" rotWithShape="0">
                     <a:schemeClr val="bg2">
@@ -10949,12 +10949,12 @@
           <a:effectLst/>
           <a:extLst>
             <a:ext uri="{909E8E84-426E-40dd-AFC4-6F175D3DCCD1}">
-              <a14:hiddenFill xmlns="" xmlns:a14="http://schemas.microsoft.com/office/drawing/2010/main">
+              <a14:hiddenFill xmlns:a14="http://schemas.microsoft.com/office/drawing/2010/main" xmlns="">
                 <a:noFill/>
               </a14:hiddenFill>
             </a:ext>
             <a:ext uri="{AF507438-7753-43e0-B8FC-AC1667EBCBE1}">
-              <a14:hiddenEffects xmlns="" xmlns:a14="http://schemas.microsoft.com/office/drawing/2010/main">
+              <a14:hiddenEffects xmlns:a14="http://schemas.microsoft.com/office/drawing/2010/main" xmlns="">
                 <a:effectLst>
                   <a:outerShdw blurRad="63500" dist="38099" dir="2700000" algn="ctr" rotWithShape="0">
                     <a:schemeClr val="bg2">
@@ -11002,12 +11002,12 @@
           <a:effectLst/>
           <a:extLst>
             <a:ext uri="{909E8E84-426E-40dd-AFC4-6F175D3DCCD1}">
-              <a14:hiddenFill xmlns="" xmlns:a14="http://schemas.microsoft.com/office/drawing/2010/main">
+              <a14:hiddenFill xmlns:a14="http://schemas.microsoft.com/office/drawing/2010/main" xmlns="">
                 <a:noFill/>
               </a14:hiddenFill>
             </a:ext>
             <a:ext uri="{AF507438-7753-43e0-B8FC-AC1667EBCBE1}">
-              <a14:hiddenEffects xmlns="" xmlns:a14="http://schemas.microsoft.com/office/drawing/2010/main">
+              <a14:hiddenEffects xmlns:a14="http://schemas.microsoft.com/office/drawing/2010/main" xmlns="">
                 <a:effectLst>
                   <a:outerShdw blurRad="63500" dist="38099" dir="2700000" algn="ctr" rotWithShape="0">
                     <a:schemeClr val="bg2">
@@ -11050,14 +11050,14 @@
           <a:effectLst/>
           <a:extLst>
             <a:ext uri="{909E8E84-426E-40dd-AFC4-6F175D3DCCD1}">
-              <a14:hiddenFill xmlns="" xmlns:a14="http://schemas.microsoft.com/office/drawing/2010/main">
+              <a14:hiddenFill xmlns:a14="http://schemas.microsoft.com/office/drawing/2010/main" xmlns="">
                 <a:solidFill>
                   <a:schemeClr val="bg2"/>
                 </a:solidFill>
               </a14:hiddenFill>
             </a:ext>
             <a:ext uri="{91240B29-F687-4f45-9708-019B960494DF}">
-              <a14:hiddenLine xmlns="" xmlns:a14="http://schemas.microsoft.com/office/drawing/2010/main" w="25400">
+              <a14:hiddenLine xmlns:a14="http://schemas.microsoft.com/office/drawing/2010/main" xmlns="" w="25400">
                 <a:solidFill>
                   <a:schemeClr val="tx2"/>
                 </a:solidFill>
@@ -11067,7 +11067,7 @@
               </a14:hiddenLine>
             </a:ext>
             <a:ext uri="{AF507438-7753-43e0-B8FC-AC1667EBCBE1}">
-              <a14:hiddenEffects xmlns="" xmlns:a14="http://schemas.microsoft.com/office/drawing/2010/main">
+              <a14:hiddenEffects xmlns:a14="http://schemas.microsoft.com/office/drawing/2010/main" xmlns="">
                 <a:effectLst>
                   <a:outerShdw blurRad="63500" dist="38099" dir="2700000" algn="ctr" rotWithShape="0">
                     <a:schemeClr val="bg2">
@@ -11121,12 +11121,12 @@
           <a:effectLst/>
           <a:extLst>
             <a:ext uri="{909E8E84-426E-40dd-AFC4-6F175D3DCCD1}">
-              <a14:hiddenFill xmlns="" xmlns:a14="http://schemas.microsoft.com/office/drawing/2010/main">
+              <a14:hiddenFill xmlns:a14="http://schemas.microsoft.com/office/drawing/2010/main" xmlns="">
                 <a:noFill/>
               </a14:hiddenFill>
             </a:ext>
             <a:ext uri="{AF507438-7753-43e0-B8FC-AC1667EBCBE1}">
-              <a14:hiddenEffects xmlns="" xmlns:a14="http://schemas.microsoft.com/office/drawing/2010/main">
+              <a14:hiddenEffects xmlns:a14="http://schemas.microsoft.com/office/drawing/2010/main" xmlns="">
                 <a:effectLst>
                   <a:outerShdw blurRad="63500" dist="38099" dir="2700000" algn="ctr" rotWithShape="0">
                     <a:schemeClr val="bg2">
@@ -11942,14 +11942,14 @@
           <a:effectLst/>
           <a:extLst>
             <a:ext uri="{909E8E84-426E-40dd-AFC4-6F175D3DCCD1}">
-              <a14:hiddenFill xmlns="" xmlns:a14="http://schemas.microsoft.com/office/drawing/2010/main">
+              <a14:hiddenFill xmlns:a14="http://schemas.microsoft.com/office/drawing/2010/main" xmlns="">
                 <a:solidFill>
                   <a:schemeClr val="bg2"/>
                 </a:solidFill>
               </a14:hiddenFill>
             </a:ext>
             <a:ext uri="{91240B29-F687-4f45-9708-019B960494DF}">
-              <a14:hiddenLine xmlns="" xmlns:a14="http://schemas.microsoft.com/office/drawing/2010/main" w="12700">
+              <a14:hiddenLine xmlns:a14="http://schemas.microsoft.com/office/drawing/2010/main" xmlns="" w="12700">
                 <a:solidFill>
                   <a:schemeClr val="tx1"/>
                 </a:solidFill>
@@ -11959,7 +11959,7 @@
               </a14:hiddenLine>
             </a:ext>
             <a:ext uri="{AF507438-7753-43e0-B8FC-AC1667EBCBE1}">
-              <a14:hiddenEffects xmlns="" xmlns:a14="http://schemas.microsoft.com/office/drawing/2010/main">
+              <a14:hiddenEffects xmlns:a14="http://schemas.microsoft.com/office/drawing/2010/main" xmlns="">
                 <a:effectLst>
                   <a:outerShdw blurRad="63500" dist="38099" dir="2700000" algn="ctr" rotWithShape="0">
                     <a:schemeClr val="bg2">
@@ -12010,14 +12010,14 @@
           <a:effectLst/>
           <a:extLst>
             <a:ext uri="{909E8E84-426E-40dd-AFC4-6F175D3DCCD1}">
-              <a14:hiddenFill xmlns="" xmlns:a14="http://schemas.microsoft.com/office/drawing/2010/main">
+              <a14:hiddenFill xmlns:a14="http://schemas.microsoft.com/office/drawing/2010/main" xmlns="">
                 <a:solidFill>
                   <a:schemeClr val="bg2"/>
                 </a:solidFill>
               </a14:hiddenFill>
             </a:ext>
             <a:ext uri="{91240B29-F687-4f45-9708-019B960494DF}">
-              <a14:hiddenLine xmlns="" xmlns:a14="http://schemas.microsoft.com/office/drawing/2010/main" w="12700">
+              <a14:hiddenLine xmlns:a14="http://schemas.microsoft.com/office/drawing/2010/main" xmlns="" w="12700">
                 <a:solidFill>
                   <a:schemeClr val="tx1"/>
                 </a:solidFill>
@@ -12027,7 +12027,7 @@
               </a14:hiddenLine>
             </a:ext>
             <a:ext uri="{AF507438-7753-43e0-B8FC-AC1667EBCBE1}">
-              <a14:hiddenEffects xmlns="" xmlns:a14="http://schemas.microsoft.com/office/drawing/2010/main">
+              <a14:hiddenEffects xmlns:a14="http://schemas.microsoft.com/office/drawing/2010/main" xmlns="">
                 <a:effectLst>
                   <a:outerShdw blurRad="63500" dist="38099" dir="2700000" algn="ctr" rotWithShape="0">
                     <a:schemeClr val="bg2">
@@ -12078,14 +12078,14 @@
           <a:effectLst/>
           <a:extLst>
             <a:ext uri="{909E8E84-426E-40dd-AFC4-6F175D3DCCD1}">
-              <a14:hiddenFill xmlns="" xmlns:a14="http://schemas.microsoft.com/office/drawing/2010/main">
+              <a14:hiddenFill xmlns:a14="http://schemas.microsoft.com/office/drawing/2010/main" xmlns="">
                 <a:solidFill>
                   <a:schemeClr val="bg2"/>
                 </a:solidFill>
               </a14:hiddenFill>
             </a:ext>
             <a:ext uri="{91240B29-F687-4f45-9708-019B960494DF}">
-              <a14:hiddenLine xmlns="" xmlns:a14="http://schemas.microsoft.com/office/drawing/2010/main" w="12700">
+              <a14:hiddenLine xmlns:a14="http://schemas.microsoft.com/office/drawing/2010/main" xmlns="" w="12700">
                 <a:solidFill>
                   <a:schemeClr val="tx1"/>
                 </a:solidFill>
@@ -12095,7 +12095,7 @@
               </a14:hiddenLine>
             </a:ext>
             <a:ext uri="{AF507438-7753-43e0-B8FC-AC1667EBCBE1}">
-              <a14:hiddenEffects xmlns="" xmlns:a14="http://schemas.microsoft.com/office/drawing/2010/main">
+              <a14:hiddenEffects xmlns:a14="http://schemas.microsoft.com/office/drawing/2010/main" xmlns="">
                 <a:effectLst>
                   <a:outerShdw blurRad="63500" dist="38099" dir="2700000" algn="ctr" rotWithShape="0">
                     <a:schemeClr val="bg2">
@@ -12146,14 +12146,14 @@
           <a:effectLst/>
           <a:extLst>
             <a:ext uri="{909E8E84-426E-40dd-AFC4-6F175D3DCCD1}">
-              <a14:hiddenFill xmlns="" xmlns:a14="http://schemas.microsoft.com/office/drawing/2010/main">
+              <a14:hiddenFill xmlns:a14="http://schemas.microsoft.com/office/drawing/2010/main" xmlns="">
                 <a:solidFill>
                   <a:schemeClr val="bg2"/>
                 </a:solidFill>
               </a14:hiddenFill>
             </a:ext>
             <a:ext uri="{91240B29-F687-4f45-9708-019B960494DF}">
-              <a14:hiddenLine xmlns="" xmlns:a14="http://schemas.microsoft.com/office/drawing/2010/main" w="12700">
+              <a14:hiddenLine xmlns:a14="http://schemas.microsoft.com/office/drawing/2010/main" xmlns="" w="12700">
                 <a:solidFill>
                   <a:schemeClr val="tx1"/>
                 </a:solidFill>
@@ -12163,7 +12163,7 @@
               </a14:hiddenLine>
             </a:ext>
             <a:ext uri="{AF507438-7753-43e0-B8FC-AC1667EBCBE1}">
-              <a14:hiddenEffects xmlns="" xmlns:a14="http://schemas.microsoft.com/office/drawing/2010/main">
+              <a14:hiddenEffects xmlns:a14="http://schemas.microsoft.com/office/drawing/2010/main" xmlns="">
                 <a:effectLst>
                   <a:outerShdw blurRad="63500" dist="38099" dir="2700000" algn="ctr" rotWithShape="0">
                     <a:schemeClr val="bg2">
@@ -12214,14 +12214,14 @@
           <a:effectLst/>
           <a:extLst>
             <a:ext uri="{909E8E84-426E-40dd-AFC4-6F175D3DCCD1}">
-              <a14:hiddenFill xmlns="" xmlns:a14="http://schemas.microsoft.com/office/drawing/2010/main">
+              <a14:hiddenFill xmlns:a14="http://schemas.microsoft.com/office/drawing/2010/main" xmlns="">
                 <a:solidFill>
                   <a:schemeClr val="bg2"/>
                 </a:solidFill>
               </a14:hiddenFill>
             </a:ext>
             <a:ext uri="{91240B29-F687-4f45-9708-019B960494DF}">
-              <a14:hiddenLine xmlns="" xmlns:a14="http://schemas.microsoft.com/office/drawing/2010/main" w="12700">
+              <a14:hiddenLine xmlns:a14="http://schemas.microsoft.com/office/drawing/2010/main" xmlns="" w="12700">
                 <a:solidFill>
                   <a:schemeClr val="tx1"/>
                 </a:solidFill>
@@ -12231,7 +12231,7 @@
               </a14:hiddenLine>
             </a:ext>
             <a:ext uri="{AF507438-7753-43e0-B8FC-AC1667EBCBE1}">
-              <a14:hiddenEffects xmlns="" xmlns:a14="http://schemas.microsoft.com/office/drawing/2010/main">
+              <a14:hiddenEffects xmlns:a14="http://schemas.microsoft.com/office/drawing/2010/main" xmlns="">
                 <a:effectLst>
                   <a:outerShdw blurRad="63500" dist="38099" dir="2700000" algn="ctr" rotWithShape="0">
                     <a:schemeClr val="bg2">
@@ -12282,14 +12282,14 @@
           <a:effectLst/>
           <a:extLst>
             <a:ext uri="{909E8E84-426E-40dd-AFC4-6F175D3DCCD1}">
-              <a14:hiddenFill xmlns="" xmlns:a14="http://schemas.microsoft.com/office/drawing/2010/main">
+              <a14:hiddenFill xmlns:a14="http://schemas.microsoft.com/office/drawing/2010/main" xmlns="">
                 <a:solidFill>
                   <a:schemeClr val="bg2"/>
                 </a:solidFill>
               </a14:hiddenFill>
             </a:ext>
             <a:ext uri="{91240B29-F687-4f45-9708-019B960494DF}">
-              <a14:hiddenLine xmlns="" xmlns:a14="http://schemas.microsoft.com/office/drawing/2010/main" w="12700">
+              <a14:hiddenLine xmlns:a14="http://schemas.microsoft.com/office/drawing/2010/main" xmlns="" w="12700">
                 <a:solidFill>
                   <a:schemeClr val="tx1"/>
                 </a:solidFill>
@@ -12299,7 +12299,7 @@
               </a14:hiddenLine>
             </a:ext>
             <a:ext uri="{AF507438-7753-43e0-B8FC-AC1667EBCBE1}">
-              <a14:hiddenEffects xmlns="" xmlns:a14="http://schemas.microsoft.com/office/drawing/2010/main">
+              <a14:hiddenEffects xmlns:a14="http://schemas.microsoft.com/office/drawing/2010/main" xmlns="">
                 <a:effectLst>
                   <a:outerShdw blurRad="63500" dist="38099" dir="2700000" algn="ctr" rotWithShape="0">
                     <a:schemeClr val="bg2">
@@ -12350,14 +12350,14 @@
           <a:effectLst/>
           <a:extLst>
             <a:ext uri="{909E8E84-426E-40dd-AFC4-6F175D3DCCD1}">
-              <a14:hiddenFill xmlns="" xmlns:a14="http://schemas.microsoft.com/office/drawing/2010/main">
+              <a14:hiddenFill xmlns:a14="http://schemas.microsoft.com/office/drawing/2010/main" xmlns="">
                 <a:solidFill>
                   <a:schemeClr val="bg2"/>
                 </a:solidFill>
               </a14:hiddenFill>
             </a:ext>
             <a:ext uri="{91240B29-F687-4f45-9708-019B960494DF}">
-              <a14:hiddenLine xmlns="" xmlns:a14="http://schemas.microsoft.com/office/drawing/2010/main" w="12700">
+              <a14:hiddenLine xmlns:a14="http://schemas.microsoft.com/office/drawing/2010/main" xmlns="" w="12700">
                 <a:solidFill>
                   <a:schemeClr val="tx1"/>
                 </a:solidFill>
@@ -12367,7 +12367,7 @@
               </a14:hiddenLine>
             </a:ext>
             <a:ext uri="{AF507438-7753-43e0-B8FC-AC1667EBCBE1}">
-              <a14:hiddenEffects xmlns="" xmlns:a14="http://schemas.microsoft.com/office/drawing/2010/main">
+              <a14:hiddenEffects xmlns:a14="http://schemas.microsoft.com/office/drawing/2010/main" xmlns="">
                 <a:effectLst>
                   <a:outerShdw blurRad="63500" dist="38099" dir="2700000" algn="ctr" rotWithShape="0">
                     <a:schemeClr val="bg2">
@@ -12423,12 +12423,12 @@
           <a:effectLst/>
           <a:extLst>
             <a:ext uri="{909E8E84-426E-40dd-AFC4-6F175D3DCCD1}">
-              <a14:hiddenFill xmlns="" xmlns:a14="http://schemas.microsoft.com/office/drawing/2010/main">
+              <a14:hiddenFill xmlns:a14="http://schemas.microsoft.com/office/drawing/2010/main" xmlns="">
                 <a:noFill/>
               </a14:hiddenFill>
             </a:ext>
             <a:ext uri="{AF507438-7753-43e0-B8FC-AC1667EBCBE1}">
-              <a14:hiddenEffects xmlns="" xmlns:a14="http://schemas.microsoft.com/office/drawing/2010/main">
+              <a14:hiddenEffects xmlns:a14="http://schemas.microsoft.com/office/drawing/2010/main" xmlns="">
                 <a:effectLst>
                   <a:outerShdw blurRad="63500" dist="38099" dir="2700000" algn="ctr" rotWithShape="0">
                     <a:schemeClr val="bg2">
@@ -12476,12 +12476,12 @@
           <a:effectLst/>
           <a:extLst>
             <a:ext uri="{909E8E84-426E-40dd-AFC4-6F175D3DCCD1}">
-              <a14:hiddenFill xmlns="" xmlns:a14="http://schemas.microsoft.com/office/drawing/2010/main">
+              <a14:hiddenFill xmlns:a14="http://schemas.microsoft.com/office/drawing/2010/main" xmlns="">
                 <a:noFill/>
               </a14:hiddenFill>
             </a:ext>
             <a:ext uri="{AF507438-7753-43e0-B8FC-AC1667EBCBE1}">
-              <a14:hiddenEffects xmlns="" xmlns:a14="http://schemas.microsoft.com/office/drawing/2010/main">
+              <a14:hiddenEffects xmlns:a14="http://schemas.microsoft.com/office/drawing/2010/main" xmlns="">
                 <a:effectLst>
                   <a:outerShdw blurRad="63500" dist="38099" dir="2700000" algn="ctr" rotWithShape="0">
                     <a:schemeClr val="bg2">
@@ -12529,12 +12529,12 @@
           <a:effectLst/>
           <a:extLst>
             <a:ext uri="{909E8E84-426E-40dd-AFC4-6F175D3DCCD1}">
-              <a14:hiddenFill xmlns="" xmlns:a14="http://schemas.microsoft.com/office/drawing/2010/main">
+              <a14:hiddenFill xmlns:a14="http://schemas.microsoft.com/office/drawing/2010/main" xmlns="">
                 <a:noFill/>
               </a14:hiddenFill>
             </a:ext>
             <a:ext uri="{AF507438-7753-43e0-B8FC-AC1667EBCBE1}">
-              <a14:hiddenEffects xmlns="" xmlns:a14="http://schemas.microsoft.com/office/drawing/2010/main">
+              <a14:hiddenEffects xmlns:a14="http://schemas.microsoft.com/office/drawing/2010/main" xmlns="">
                 <a:effectLst>
                   <a:outerShdw blurRad="63500" dist="38099" dir="2700000" algn="ctr" rotWithShape="0">
                     <a:schemeClr val="bg2">
@@ -12582,12 +12582,12 @@
           <a:effectLst/>
           <a:extLst>
             <a:ext uri="{909E8E84-426E-40dd-AFC4-6F175D3DCCD1}">
-              <a14:hiddenFill xmlns="" xmlns:a14="http://schemas.microsoft.com/office/drawing/2010/main">
+              <a14:hiddenFill xmlns:a14="http://schemas.microsoft.com/office/drawing/2010/main" xmlns="">
                 <a:noFill/>
               </a14:hiddenFill>
             </a:ext>
             <a:ext uri="{AF507438-7753-43e0-B8FC-AC1667EBCBE1}">
-              <a14:hiddenEffects xmlns="" xmlns:a14="http://schemas.microsoft.com/office/drawing/2010/main">
+              <a14:hiddenEffects xmlns:a14="http://schemas.microsoft.com/office/drawing/2010/main" xmlns="">
                 <a:effectLst>
                   <a:outerShdw blurRad="63500" dist="38099" dir="2700000" algn="ctr" rotWithShape="0">
                     <a:schemeClr val="bg2">
@@ -12635,12 +12635,12 @@
           <a:effectLst/>
           <a:extLst>
             <a:ext uri="{909E8E84-426E-40dd-AFC4-6F175D3DCCD1}">
-              <a14:hiddenFill xmlns="" xmlns:a14="http://schemas.microsoft.com/office/drawing/2010/main">
+              <a14:hiddenFill xmlns:a14="http://schemas.microsoft.com/office/drawing/2010/main" xmlns="">
                 <a:noFill/>
               </a14:hiddenFill>
             </a:ext>
             <a:ext uri="{AF507438-7753-43e0-B8FC-AC1667EBCBE1}">
-              <a14:hiddenEffects xmlns="" xmlns:a14="http://schemas.microsoft.com/office/drawing/2010/main">
+              <a14:hiddenEffects xmlns:a14="http://schemas.microsoft.com/office/drawing/2010/main" xmlns="">
                 <a:effectLst>
                   <a:outerShdw blurRad="63500" dist="38099" dir="2700000" algn="ctr" rotWithShape="0">
                     <a:schemeClr val="bg2">
@@ -12688,12 +12688,12 @@
           <a:effectLst/>
           <a:extLst>
             <a:ext uri="{909E8E84-426E-40dd-AFC4-6F175D3DCCD1}">
-              <a14:hiddenFill xmlns="" xmlns:a14="http://schemas.microsoft.com/office/drawing/2010/main">
+              <a14:hiddenFill xmlns:a14="http://schemas.microsoft.com/office/drawing/2010/main" xmlns="">
                 <a:noFill/>
               </a14:hiddenFill>
             </a:ext>
             <a:ext uri="{AF507438-7753-43e0-B8FC-AC1667EBCBE1}">
-              <a14:hiddenEffects xmlns="" xmlns:a14="http://schemas.microsoft.com/office/drawing/2010/main">
+              <a14:hiddenEffects xmlns:a14="http://schemas.microsoft.com/office/drawing/2010/main" xmlns="">
                 <a:effectLst>
                   <a:outerShdw blurRad="63500" dist="38099" dir="2700000" algn="ctr" rotWithShape="0">
                     <a:schemeClr val="bg2">
@@ -12741,12 +12741,12 @@
           <a:effectLst/>
           <a:extLst>
             <a:ext uri="{909E8E84-426E-40dd-AFC4-6F175D3DCCD1}">
-              <a14:hiddenFill xmlns="" xmlns:a14="http://schemas.microsoft.com/office/drawing/2010/main">
+              <a14:hiddenFill xmlns:a14="http://schemas.microsoft.com/office/drawing/2010/main" xmlns="">
                 <a:noFill/>
               </a14:hiddenFill>
             </a:ext>
             <a:ext uri="{AF507438-7753-43e0-B8FC-AC1667EBCBE1}">
-              <a14:hiddenEffects xmlns="" xmlns:a14="http://schemas.microsoft.com/office/drawing/2010/main">
+              <a14:hiddenEffects xmlns:a14="http://schemas.microsoft.com/office/drawing/2010/main" xmlns="">
                 <a:effectLst>
                   <a:outerShdw blurRad="63500" dist="38099" dir="2700000" algn="ctr" rotWithShape="0">
                     <a:schemeClr val="bg2">
@@ -12794,12 +12794,12 @@
           <a:effectLst/>
           <a:extLst>
             <a:ext uri="{909E8E84-426E-40dd-AFC4-6F175D3DCCD1}">
-              <a14:hiddenFill xmlns="" xmlns:a14="http://schemas.microsoft.com/office/drawing/2010/main">
+              <a14:hiddenFill xmlns:a14="http://schemas.microsoft.com/office/drawing/2010/main" xmlns="">
                 <a:noFill/>
               </a14:hiddenFill>
             </a:ext>
             <a:ext uri="{AF507438-7753-43e0-B8FC-AC1667EBCBE1}">
-              <a14:hiddenEffects xmlns="" xmlns:a14="http://schemas.microsoft.com/office/drawing/2010/main">
+              <a14:hiddenEffects xmlns:a14="http://schemas.microsoft.com/office/drawing/2010/main" xmlns="">
                 <a:effectLst>
                   <a:outerShdw blurRad="63500" dist="38099" dir="2700000" algn="ctr" rotWithShape="0">
                     <a:schemeClr val="bg2">
@@ -12842,14 +12842,14 @@
           <a:effectLst/>
           <a:extLst>
             <a:ext uri="{909E8E84-426E-40dd-AFC4-6F175D3DCCD1}">
-              <a14:hiddenFill xmlns="" xmlns:a14="http://schemas.microsoft.com/office/drawing/2010/main">
+              <a14:hiddenFill xmlns:a14="http://schemas.microsoft.com/office/drawing/2010/main" xmlns="">
                 <a:solidFill>
                   <a:schemeClr val="bg2"/>
                 </a:solidFill>
               </a14:hiddenFill>
             </a:ext>
             <a:ext uri="{91240B29-F687-4f45-9708-019B960494DF}">
-              <a14:hiddenLine xmlns="" xmlns:a14="http://schemas.microsoft.com/office/drawing/2010/main" w="25400">
+              <a14:hiddenLine xmlns:a14="http://schemas.microsoft.com/office/drawing/2010/main" xmlns="" w="25400">
                 <a:solidFill>
                   <a:schemeClr val="tx2"/>
                 </a:solidFill>
@@ -12859,7 +12859,7 @@
               </a14:hiddenLine>
             </a:ext>
             <a:ext uri="{AF507438-7753-43e0-B8FC-AC1667EBCBE1}">
-              <a14:hiddenEffects xmlns="" xmlns:a14="http://schemas.microsoft.com/office/drawing/2010/main">
+              <a14:hiddenEffects xmlns:a14="http://schemas.microsoft.com/office/drawing/2010/main" xmlns="">
                 <a:effectLst>
                   <a:outerShdw blurRad="63500" dist="38099" dir="2700000" algn="ctr" rotWithShape="0">
                     <a:schemeClr val="bg2">
@@ -12913,12 +12913,12 @@
           <a:effectLst/>
           <a:extLst>
             <a:ext uri="{909E8E84-426E-40dd-AFC4-6F175D3DCCD1}">
-              <a14:hiddenFill xmlns="" xmlns:a14="http://schemas.microsoft.com/office/drawing/2010/main">
+              <a14:hiddenFill xmlns:a14="http://schemas.microsoft.com/office/drawing/2010/main" xmlns="">
                 <a:noFill/>
               </a14:hiddenFill>
             </a:ext>
             <a:ext uri="{AF507438-7753-43e0-B8FC-AC1667EBCBE1}">
-              <a14:hiddenEffects xmlns="" xmlns:a14="http://schemas.microsoft.com/office/drawing/2010/main">
+              <a14:hiddenEffects xmlns:a14="http://schemas.microsoft.com/office/drawing/2010/main" xmlns="">
                 <a:effectLst>
                   <a:outerShdw blurRad="63500" dist="38099" dir="2700000" algn="ctr" rotWithShape="0">
                     <a:schemeClr val="bg2">
@@ -13210,14 +13210,14 @@
           <a:ln/>
           <a:extLst>
             <a:ext uri="{909E8E84-426E-40dd-AFC4-6F175D3DCCD1}">
-              <a14:hiddenFill xmlns="" xmlns:a14="http://schemas.microsoft.com/office/drawing/2010/main">
+              <a14:hiddenFill xmlns:a14="http://schemas.microsoft.com/office/drawing/2010/main" xmlns="">
                 <a:solidFill>
                   <a:schemeClr val="accent1"/>
                 </a:solidFill>
               </a14:hiddenFill>
             </a:ext>
             <a:ext uri="{91240B29-F687-4f45-9708-019B960494DF}">
-              <a14:hiddenLine xmlns="" xmlns:a14="http://schemas.microsoft.com/office/drawing/2010/main" w="12700">
+              <a14:hiddenLine xmlns:a14="http://schemas.microsoft.com/office/drawing/2010/main" xmlns="" w="12700">
                 <a:solidFill>
                   <a:schemeClr val="tx1"/>
                 </a:solidFill>
@@ -13656,14 +13656,14 @@
           <a:effectLst/>
           <a:extLst>
             <a:ext uri="{909E8E84-426E-40dd-AFC4-6F175D3DCCD1}">
-              <a14:hiddenFill xmlns="" xmlns:a14="http://schemas.microsoft.com/office/drawing/2010/main">
+              <a14:hiddenFill xmlns:a14="http://schemas.microsoft.com/office/drawing/2010/main" xmlns="">
                 <a:solidFill>
                   <a:schemeClr val="bg2"/>
                 </a:solidFill>
               </a14:hiddenFill>
             </a:ext>
             <a:ext uri="{91240B29-F687-4f45-9708-019B960494DF}">
-              <a14:hiddenLine xmlns="" xmlns:a14="http://schemas.microsoft.com/office/drawing/2010/main" w="12700">
+              <a14:hiddenLine xmlns:a14="http://schemas.microsoft.com/office/drawing/2010/main" xmlns="" w="12700">
                 <a:solidFill>
                   <a:schemeClr val="tx1"/>
                 </a:solidFill>
@@ -13673,7 +13673,7 @@
               </a14:hiddenLine>
             </a:ext>
             <a:ext uri="{AF507438-7753-43e0-B8FC-AC1667EBCBE1}">
-              <a14:hiddenEffects xmlns="" xmlns:a14="http://schemas.microsoft.com/office/drawing/2010/main">
+              <a14:hiddenEffects xmlns:a14="http://schemas.microsoft.com/office/drawing/2010/main" xmlns="">
                 <a:effectLst>
                   <a:outerShdw blurRad="63500" dist="38099" dir="2700000" algn="ctr" rotWithShape="0">
                     <a:schemeClr val="bg2">
@@ -13724,14 +13724,14 @@
           <a:effectLst/>
           <a:extLst>
             <a:ext uri="{909E8E84-426E-40dd-AFC4-6F175D3DCCD1}">
-              <a14:hiddenFill xmlns="" xmlns:a14="http://schemas.microsoft.com/office/drawing/2010/main">
+              <a14:hiddenFill xmlns:a14="http://schemas.microsoft.com/office/drawing/2010/main" xmlns="">
                 <a:solidFill>
                   <a:schemeClr val="bg2"/>
                 </a:solidFill>
               </a14:hiddenFill>
             </a:ext>
             <a:ext uri="{91240B29-F687-4f45-9708-019B960494DF}">
-              <a14:hiddenLine xmlns="" xmlns:a14="http://schemas.microsoft.com/office/drawing/2010/main" w="12700">
+              <a14:hiddenLine xmlns:a14="http://schemas.microsoft.com/office/drawing/2010/main" xmlns="" w="12700">
                 <a:solidFill>
                   <a:schemeClr val="tx1"/>
                 </a:solidFill>
@@ -13741,7 +13741,7 @@
               </a14:hiddenLine>
             </a:ext>
             <a:ext uri="{AF507438-7753-43e0-B8FC-AC1667EBCBE1}">
-              <a14:hiddenEffects xmlns="" xmlns:a14="http://schemas.microsoft.com/office/drawing/2010/main">
+              <a14:hiddenEffects xmlns:a14="http://schemas.microsoft.com/office/drawing/2010/main" xmlns="">
                 <a:effectLst>
                   <a:outerShdw blurRad="63500" dist="38099" dir="2700000" algn="ctr" rotWithShape="0">
                     <a:schemeClr val="bg2">
@@ -13792,14 +13792,14 @@
           <a:effectLst/>
           <a:extLst>
             <a:ext uri="{909E8E84-426E-40dd-AFC4-6F175D3DCCD1}">
-              <a14:hiddenFill xmlns="" xmlns:a14="http://schemas.microsoft.com/office/drawing/2010/main">
+              <a14:hiddenFill xmlns:a14="http://schemas.microsoft.com/office/drawing/2010/main" xmlns="">
                 <a:solidFill>
                   <a:schemeClr val="bg2"/>
                 </a:solidFill>
               </a14:hiddenFill>
             </a:ext>
             <a:ext uri="{91240B29-F687-4f45-9708-019B960494DF}">
-              <a14:hiddenLine xmlns="" xmlns:a14="http://schemas.microsoft.com/office/drawing/2010/main" w="12700">
+              <a14:hiddenLine xmlns:a14="http://schemas.microsoft.com/office/drawing/2010/main" xmlns="" w="12700">
                 <a:solidFill>
                   <a:schemeClr val="tx1"/>
                 </a:solidFill>
@@ -13809,7 +13809,7 @@
               </a14:hiddenLine>
             </a:ext>
             <a:ext uri="{AF507438-7753-43e0-B8FC-AC1667EBCBE1}">
-              <a14:hiddenEffects xmlns="" xmlns:a14="http://schemas.microsoft.com/office/drawing/2010/main">
+              <a14:hiddenEffects xmlns:a14="http://schemas.microsoft.com/office/drawing/2010/main" xmlns="">
                 <a:effectLst>
                   <a:outerShdw blurRad="63500" dist="38099" dir="2700000" algn="ctr" rotWithShape="0">
                     <a:schemeClr val="bg2">
@@ -13863,14 +13863,14 @@
           <a:effectLst/>
           <a:extLst>
             <a:ext uri="{909E8E84-426E-40dd-AFC4-6F175D3DCCD1}">
-              <a14:hiddenFill xmlns="" xmlns:a14="http://schemas.microsoft.com/office/drawing/2010/main">
+              <a14:hiddenFill xmlns:a14="http://schemas.microsoft.com/office/drawing/2010/main" xmlns="">
                 <a:solidFill>
                   <a:schemeClr val="bg2"/>
                 </a:solidFill>
               </a14:hiddenFill>
             </a:ext>
             <a:ext uri="{91240B29-F687-4f45-9708-019B960494DF}">
-              <a14:hiddenLine xmlns="" xmlns:a14="http://schemas.microsoft.com/office/drawing/2010/main" w="12700">
+              <a14:hiddenLine xmlns:a14="http://schemas.microsoft.com/office/drawing/2010/main" xmlns="" w="12700">
                 <a:solidFill>
                   <a:schemeClr val="tx1"/>
                 </a:solidFill>
@@ -13880,7 +13880,7 @@
               </a14:hiddenLine>
             </a:ext>
             <a:ext uri="{AF507438-7753-43e0-B8FC-AC1667EBCBE1}">
-              <a14:hiddenEffects xmlns="" xmlns:a14="http://schemas.microsoft.com/office/drawing/2010/main">
+              <a14:hiddenEffects xmlns:a14="http://schemas.microsoft.com/office/drawing/2010/main" xmlns="">
                 <a:effectLst>
                   <a:outerShdw blurRad="63500" dist="38099" dir="2700000" algn="ctr" rotWithShape="0">
                     <a:schemeClr val="bg2">
@@ -13939,12 +13939,12 @@
           <a:effectLst/>
           <a:extLst>
             <a:ext uri="{909E8E84-426E-40dd-AFC4-6F175D3DCCD1}">
-              <a14:hiddenFill xmlns="" xmlns:a14="http://schemas.microsoft.com/office/drawing/2010/main">
+              <a14:hiddenFill xmlns:a14="http://schemas.microsoft.com/office/drawing/2010/main" xmlns="">
                 <a:noFill/>
               </a14:hiddenFill>
             </a:ext>
             <a:ext uri="{AF507438-7753-43e0-B8FC-AC1667EBCBE1}">
-              <a14:hiddenEffects xmlns="" xmlns:a14="http://schemas.microsoft.com/office/drawing/2010/main">
+              <a14:hiddenEffects xmlns:a14="http://schemas.microsoft.com/office/drawing/2010/main" xmlns="">
                 <a:effectLst>
                   <a:outerShdw blurRad="63500" dist="38099" dir="2700000" algn="ctr" rotWithShape="0">
                     <a:schemeClr val="bg2">
@@ -13987,14 +13987,14 @@
           <a:effectLst/>
           <a:extLst>
             <a:ext uri="{909E8E84-426E-40dd-AFC4-6F175D3DCCD1}">
-              <a14:hiddenFill xmlns="" xmlns:a14="http://schemas.microsoft.com/office/drawing/2010/main">
+              <a14:hiddenFill xmlns:a14="http://schemas.microsoft.com/office/drawing/2010/main" xmlns="">
                 <a:solidFill>
                   <a:schemeClr val="bg2"/>
                 </a:solidFill>
               </a14:hiddenFill>
             </a:ext>
             <a:ext uri="{91240B29-F687-4f45-9708-019B960494DF}">
-              <a14:hiddenLine xmlns="" xmlns:a14="http://schemas.microsoft.com/office/drawing/2010/main" w="12700">
+              <a14:hiddenLine xmlns:a14="http://schemas.microsoft.com/office/drawing/2010/main" xmlns="" w="12700">
                 <a:solidFill>
                   <a:schemeClr val="tx1"/>
                 </a:solidFill>
@@ -14004,7 +14004,7 @@
               </a14:hiddenLine>
             </a:ext>
             <a:ext uri="{AF507438-7753-43e0-B8FC-AC1667EBCBE1}">
-              <a14:hiddenEffects xmlns="" xmlns:a14="http://schemas.microsoft.com/office/drawing/2010/main">
+              <a14:hiddenEffects xmlns:a14="http://schemas.microsoft.com/office/drawing/2010/main" xmlns="">
                 <a:effectLst>
                   <a:outerShdw blurRad="63500" dist="38099" dir="2700000" algn="ctr" rotWithShape="0">
                     <a:schemeClr val="bg2">
@@ -14063,12 +14063,12 @@
           <a:effectLst/>
           <a:extLst>
             <a:ext uri="{909E8E84-426E-40dd-AFC4-6F175D3DCCD1}">
-              <a14:hiddenFill xmlns="" xmlns:a14="http://schemas.microsoft.com/office/drawing/2010/main">
+              <a14:hiddenFill xmlns:a14="http://schemas.microsoft.com/office/drawing/2010/main" xmlns="">
                 <a:noFill/>
               </a14:hiddenFill>
             </a:ext>
             <a:ext uri="{AF507438-7753-43e0-B8FC-AC1667EBCBE1}">
-              <a14:hiddenEffects xmlns="" xmlns:a14="http://schemas.microsoft.com/office/drawing/2010/main">
+              <a14:hiddenEffects xmlns:a14="http://schemas.microsoft.com/office/drawing/2010/main" xmlns="">
                 <a:effectLst>
                   <a:outerShdw blurRad="63500" dist="38099" dir="2700000" algn="ctr" rotWithShape="0">
                     <a:schemeClr val="bg2">
@@ -14116,12 +14116,12 @@
           <a:effectLst/>
           <a:extLst>
             <a:ext uri="{909E8E84-426E-40dd-AFC4-6F175D3DCCD1}">
-              <a14:hiddenFill xmlns="" xmlns:a14="http://schemas.microsoft.com/office/drawing/2010/main">
+              <a14:hiddenFill xmlns:a14="http://schemas.microsoft.com/office/drawing/2010/main" xmlns="">
                 <a:noFill/>
               </a14:hiddenFill>
             </a:ext>
             <a:ext uri="{AF507438-7753-43e0-B8FC-AC1667EBCBE1}">
-              <a14:hiddenEffects xmlns="" xmlns:a14="http://schemas.microsoft.com/office/drawing/2010/main">
+              <a14:hiddenEffects xmlns:a14="http://schemas.microsoft.com/office/drawing/2010/main" xmlns="">
                 <a:effectLst>
                   <a:outerShdw blurRad="63500" dist="38099" dir="2700000" algn="ctr" rotWithShape="0">
                     <a:schemeClr val="bg2">
@@ -15246,14 +15246,14 @@
           </a:ln>
           <a:extLst>
             <a:ext uri="{909E8E84-426E-40dd-AFC4-6F175D3DCCD1}">
-              <a14:hiddenFill xmlns="" xmlns:a14="http://schemas.microsoft.com/office/drawing/2010/main">
+              <a14:hiddenFill xmlns:a14="http://schemas.microsoft.com/office/drawing/2010/main" xmlns="">
                 <a:solidFill>
                   <a:srgbClr val="FFFFFF"/>
                 </a:solidFill>
               </a14:hiddenFill>
             </a:ext>
             <a:ext uri="{91240B29-F687-4f45-9708-019B960494DF}">
-              <a14:hiddenLine xmlns="" xmlns:a14="http://schemas.microsoft.com/office/drawing/2010/main" w="9525">
+              <a14:hiddenLine xmlns:a14="http://schemas.microsoft.com/office/drawing/2010/main" xmlns="" w="9525">
                 <a:solidFill>
                   <a:srgbClr val="000000"/>
                 </a:solidFill>
@@ -15307,14 +15307,14 @@
           </a:ln>
           <a:extLst>
             <a:ext uri="{909E8E84-426E-40dd-AFC4-6F175D3DCCD1}">
-              <a14:hiddenFill xmlns="" xmlns:a14="http://schemas.microsoft.com/office/drawing/2010/main">
+              <a14:hiddenFill xmlns:a14="http://schemas.microsoft.com/office/drawing/2010/main" xmlns="">
                 <a:solidFill>
                   <a:srgbClr val="FFFFFF"/>
                 </a:solidFill>
               </a14:hiddenFill>
             </a:ext>
             <a:ext uri="{91240B29-F687-4f45-9708-019B960494DF}">
-              <a14:hiddenLine xmlns="" xmlns:a14="http://schemas.microsoft.com/office/drawing/2010/main" w="9525">
+              <a14:hiddenLine xmlns:a14="http://schemas.microsoft.com/office/drawing/2010/main" xmlns="" w="9525">
                 <a:solidFill>
                   <a:srgbClr val="000000"/>
                 </a:solidFill>
@@ -15394,7 +15394,7 @@
           </a:ln>
           <a:extLst>
             <a:ext uri="{909E8E84-426E-40dd-AFC4-6F175D3DCCD1}">
-              <a14:hiddenFill xmlns="" xmlns:a14="http://schemas.microsoft.com/office/drawing/2010/main">
+              <a14:hiddenFill xmlns:a14="http://schemas.microsoft.com/office/drawing/2010/main" xmlns="">
                 <a:solidFill>
                   <a:srgbClr val="FFFFFF"/>
                 </a:solidFill>
@@ -15432,14 +15432,14 @@
           </a:ln>
           <a:extLst>
             <a:ext uri="{909E8E84-426E-40dd-AFC4-6F175D3DCCD1}">
-              <a14:hiddenFill xmlns="" xmlns:a14="http://schemas.microsoft.com/office/drawing/2010/main">
+              <a14:hiddenFill xmlns:a14="http://schemas.microsoft.com/office/drawing/2010/main" xmlns="">
                 <a:solidFill>
                   <a:srgbClr val="FFFFFF"/>
                 </a:solidFill>
               </a14:hiddenFill>
             </a:ext>
             <a:ext uri="{91240B29-F687-4f45-9708-019B960494DF}">
-              <a14:hiddenLine xmlns="" xmlns:a14="http://schemas.microsoft.com/office/drawing/2010/main" w="9525">
+              <a14:hiddenLine xmlns:a14="http://schemas.microsoft.com/office/drawing/2010/main" xmlns="" w="9525">
                 <a:solidFill>
                   <a:srgbClr val="000000"/>
                 </a:solidFill>
@@ -15754,14 +15754,14 @@
           </a:ln>
           <a:extLst>
             <a:ext uri="{909E8E84-426E-40dd-AFC4-6F175D3DCCD1}">
-              <a14:hiddenFill xmlns="" xmlns:a14="http://schemas.microsoft.com/office/drawing/2010/main">
+              <a14:hiddenFill xmlns:a14="http://schemas.microsoft.com/office/drawing/2010/main" xmlns="">
                 <a:solidFill>
                   <a:srgbClr val="FFFFFF"/>
                 </a:solidFill>
               </a14:hiddenFill>
             </a:ext>
             <a:ext uri="{91240B29-F687-4f45-9708-019B960494DF}">
-              <a14:hiddenLine xmlns="" xmlns:a14="http://schemas.microsoft.com/office/drawing/2010/main" w="9525">
+              <a14:hiddenLine xmlns:a14="http://schemas.microsoft.com/office/drawing/2010/main" xmlns="" w="9525">
                 <a:solidFill>
                   <a:srgbClr val="000000"/>
                 </a:solidFill>
@@ -15815,14 +15815,14 @@
           </a:ln>
           <a:extLst>
             <a:ext uri="{909E8E84-426E-40dd-AFC4-6F175D3DCCD1}">
-              <a14:hiddenFill xmlns="" xmlns:a14="http://schemas.microsoft.com/office/drawing/2010/main">
+              <a14:hiddenFill xmlns:a14="http://schemas.microsoft.com/office/drawing/2010/main" xmlns="">
                 <a:solidFill>
                   <a:srgbClr val="FFFFFF"/>
                 </a:solidFill>
               </a14:hiddenFill>
             </a:ext>
             <a:ext uri="{91240B29-F687-4f45-9708-019B960494DF}">
-              <a14:hiddenLine xmlns="" xmlns:a14="http://schemas.microsoft.com/office/drawing/2010/main" w="9525">
+              <a14:hiddenLine xmlns:a14="http://schemas.microsoft.com/office/drawing/2010/main" xmlns="" w="9525">
                 <a:solidFill>
                   <a:srgbClr val="000000"/>
                 </a:solidFill>
@@ -15902,7 +15902,7 @@
           </a:ln>
           <a:extLst>
             <a:ext uri="{909E8E84-426E-40dd-AFC4-6F175D3DCCD1}">
-              <a14:hiddenFill xmlns="" xmlns:a14="http://schemas.microsoft.com/office/drawing/2010/main">
+              <a14:hiddenFill xmlns:a14="http://schemas.microsoft.com/office/drawing/2010/main" xmlns="">
                 <a:solidFill>
                   <a:srgbClr val="FFFFFF"/>
                 </a:solidFill>
@@ -15940,14 +15940,14 @@
           </a:ln>
           <a:extLst>
             <a:ext uri="{909E8E84-426E-40dd-AFC4-6F175D3DCCD1}">
-              <a14:hiddenFill xmlns="" xmlns:a14="http://schemas.microsoft.com/office/drawing/2010/main">
+              <a14:hiddenFill xmlns:a14="http://schemas.microsoft.com/office/drawing/2010/main" xmlns="">
                 <a:solidFill>
                   <a:srgbClr val="FFFFFF"/>
                 </a:solidFill>
               </a14:hiddenFill>
             </a:ext>
             <a:ext uri="{91240B29-F687-4f45-9708-019B960494DF}">
-              <a14:hiddenLine xmlns="" xmlns:a14="http://schemas.microsoft.com/office/drawing/2010/main" w="9525">
+              <a14:hiddenLine xmlns:a14="http://schemas.microsoft.com/office/drawing/2010/main" xmlns="" w="9525">
                 <a:solidFill>
                   <a:srgbClr val="000000"/>
                 </a:solidFill>
@@ -16167,7 +16167,7 @@
           </a:ln>
           <a:extLst>
             <a:ext uri="{909E8E84-426E-40dd-AFC4-6F175D3DCCD1}">
-              <a14:hiddenFill xmlns="" xmlns:a14="http://schemas.microsoft.com/office/drawing/2010/main">
+              <a14:hiddenFill xmlns:a14="http://schemas.microsoft.com/office/drawing/2010/main" xmlns="">
                 <a:solidFill>
                   <a:srgbClr val="FFFFFF"/>
                 </a:solidFill>
@@ -16205,14 +16205,14 @@
           </a:ln>
           <a:extLst>
             <a:ext uri="{909E8E84-426E-40dd-AFC4-6F175D3DCCD1}">
-              <a14:hiddenFill xmlns="" xmlns:a14="http://schemas.microsoft.com/office/drawing/2010/main">
+              <a14:hiddenFill xmlns:a14="http://schemas.microsoft.com/office/drawing/2010/main" xmlns="">
                 <a:solidFill>
                   <a:srgbClr val="FFFFFF"/>
                 </a:solidFill>
               </a14:hiddenFill>
             </a:ext>
             <a:ext uri="{91240B29-F687-4f45-9708-019B960494DF}">
-              <a14:hiddenLine xmlns="" xmlns:a14="http://schemas.microsoft.com/office/drawing/2010/main" w="9525">
+              <a14:hiddenLine xmlns:a14="http://schemas.microsoft.com/office/drawing/2010/main" xmlns="" w="9525">
                 <a:solidFill>
                   <a:srgbClr val="000000"/>
                 </a:solidFill>
@@ -16471,7 +16471,7 @@
           </a:ln>
           <a:extLst>
             <a:ext uri="{909E8E84-426E-40dd-AFC4-6F175D3DCCD1}">
-              <a14:hiddenFill xmlns="" xmlns:a14="http://schemas.microsoft.com/office/drawing/2010/main">
+              <a14:hiddenFill xmlns:a14="http://schemas.microsoft.com/office/drawing/2010/main" xmlns="">
                 <a:solidFill>
                   <a:srgbClr val="FFFFFF"/>
                 </a:solidFill>
@@ -16509,14 +16509,14 @@
           </a:ln>
           <a:extLst>
             <a:ext uri="{909E8E84-426E-40dd-AFC4-6F175D3DCCD1}">
-              <a14:hiddenFill xmlns="" xmlns:a14="http://schemas.microsoft.com/office/drawing/2010/main">
+              <a14:hiddenFill xmlns:a14="http://schemas.microsoft.com/office/drawing/2010/main" xmlns="">
                 <a:solidFill>
                   <a:srgbClr val="FFFFFF"/>
                 </a:solidFill>
               </a14:hiddenFill>
             </a:ext>
             <a:ext uri="{91240B29-F687-4f45-9708-019B960494DF}">
-              <a14:hiddenLine xmlns="" xmlns:a14="http://schemas.microsoft.com/office/drawing/2010/main" w="9525">
+              <a14:hiddenLine xmlns:a14="http://schemas.microsoft.com/office/drawing/2010/main" xmlns="" w="9525">
                 <a:solidFill>
                   <a:srgbClr val="000000"/>
                 </a:solidFill>
@@ -16732,7 +16732,7 @@
           </a:ln>
           <a:extLst>
             <a:ext uri="{909E8E84-426E-40dd-AFC4-6F175D3DCCD1}">
-              <a14:hiddenFill xmlns="" xmlns:a14="http://schemas.microsoft.com/office/drawing/2010/main">
+              <a14:hiddenFill xmlns:a14="http://schemas.microsoft.com/office/drawing/2010/main" xmlns="">
                 <a:solidFill>
                   <a:srgbClr val="FFFFFF"/>
                 </a:solidFill>
@@ -16770,14 +16770,14 @@
           </a:ln>
           <a:extLst>
             <a:ext uri="{909E8E84-426E-40dd-AFC4-6F175D3DCCD1}">
-              <a14:hiddenFill xmlns="" xmlns:a14="http://schemas.microsoft.com/office/drawing/2010/main">
+              <a14:hiddenFill xmlns:a14="http://schemas.microsoft.com/office/drawing/2010/main" xmlns="">
                 <a:solidFill>
                   <a:srgbClr val="FFFFFF"/>
                 </a:solidFill>
               </a14:hiddenFill>
             </a:ext>
             <a:ext uri="{91240B29-F687-4f45-9708-019B960494DF}">
-              <a14:hiddenLine xmlns="" xmlns:a14="http://schemas.microsoft.com/office/drawing/2010/main" w="9525">
+              <a14:hiddenLine xmlns:a14="http://schemas.microsoft.com/office/drawing/2010/main" xmlns="" w="9525">
                 <a:solidFill>
                   <a:srgbClr val="000000"/>
                 </a:solidFill>
@@ -16982,7 +16982,7 @@
           </a:ln>
           <a:extLst>
             <a:ext uri="{909E8E84-426E-40dd-AFC4-6F175D3DCCD1}">
-              <a14:hiddenFill xmlns="" xmlns:a14="http://schemas.microsoft.com/office/drawing/2010/main">
+              <a14:hiddenFill xmlns:a14="http://schemas.microsoft.com/office/drawing/2010/main" xmlns="">
                 <a:solidFill>
                   <a:srgbClr val="FFFFFF"/>
                 </a:solidFill>
@@ -17020,14 +17020,14 @@
           </a:ln>
           <a:extLst>
             <a:ext uri="{909E8E84-426E-40dd-AFC4-6F175D3DCCD1}">
-              <a14:hiddenFill xmlns="" xmlns:a14="http://schemas.microsoft.com/office/drawing/2010/main">
+              <a14:hiddenFill xmlns:a14="http://schemas.microsoft.com/office/drawing/2010/main" xmlns="">
                 <a:solidFill>
                   <a:srgbClr val="FFFFFF"/>
                 </a:solidFill>
               </a14:hiddenFill>
             </a:ext>
             <a:ext uri="{91240B29-F687-4f45-9708-019B960494DF}">
-              <a14:hiddenLine xmlns="" xmlns:a14="http://schemas.microsoft.com/office/drawing/2010/main" w="9525">
+              <a14:hiddenLine xmlns:a14="http://schemas.microsoft.com/office/drawing/2010/main" xmlns="" w="9525">
                 <a:solidFill>
                   <a:srgbClr val="000000"/>
                 </a:solidFill>
@@ -17232,7 +17232,7 @@
           </a:ln>
           <a:extLst>
             <a:ext uri="{909E8E84-426E-40dd-AFC4-6F175D3DCCD1}">
-              <a14:hiddenFill xmlns="" xmlns:a14="http://schemas.microsoft.com/office/drawing/2010/main">
+              <a14:hiddenFill xmlns:a14="http://schemas.microsoft.com/office/drawing/2010/main" xmlns="">
                 <a:solidFill>
                   <a:srgbClr val="FFFFFF"/>
                 </a:solidFill>
@@ -17270,14 +17270,14 @@
           </a:ln>
           <a:extLst>
             <a:ext uri="{909E8E84-426E-40dd-AFC4-6F175D3DCCD1}">
-              <a14:hiddenFill xmlns="" xmlns:a14="http://schemas.microsoft.com/office/drawing/2010/main">
+              <a14:hiddenFill xmlns:a14="http://schemas.microsoft.com/office/drawing/2010/main" xmlns="">
                 <a:solidFill>
                   <a:srgbClr val="FFFFFF"/>
                 </a:solidFill>
               </a14:hiddenFill>
             </a:ext>
             <a:ext uri="{91240B29-F687-4f45-9708-019B960494DF}">
-              <a14:hiddenLine xmlns="" xmlns:a14="http://schemas.microsoft.com/office/drawing/2010/main" w="9525">
+              <a14:hiddenLine xmlns:a14="http://schemas.microsoft.com/office/drawing/2010/main" xmlns="" w="9525">
                 <a:solidFill>
                   <a:srgbClr val="000000"/>
                 </a:solidFill>
@@ -17631,14 +17631,14 @@
           </a:ln>
           <a:extLst>
             <a:ext uri="{909E8E84-426E-40dd-AFC4-6F175D3DCCD1}">
-              <a14:hiddenFill xmlns="" xmlns:a14="http://schemas.microsoft.com/office/drawing/2010/main">
+              <a14:hiddenFill xmlns:a14="http://schemas.microsoft.com/office/drawing/2010/main" xmlns="">
                 <a:solidFill>
                   <a:srgbClr val="FFFFFF"/>
                 </a:solidFill>
               </a14:hiddenFill>
             </a:ext>
             <a:ext uri="{91240B29-F687-4f45-9708-019B960494DF}">
-              <a14:hiddenLine xmlns="" xmlns:a14="http://schemas.microsoft.com/office/drawing/2010/main" w="9525">
+              <a14:hiddenLine xmlns:a14="http://schemas.microsoft.com/office/drawing/2010/main" xmlns="" w="9525">
                 <a:solidFill>
                   <a:srgbClr val="000000"/>
                 </a:solidFill>
@@ -17692,14 +17692,14 @@
           </a:ln>
           <a:extLst>
             <a:ext uri="{909E8E84-426E-40dd-AFC4-6F175D3DCCD1}">
-              <a14:hiddenFill xmlns="" xmlns:a14="http://schemas.microsoft.com/office/drawing/2010/main">
+              <a14:hiddenFill xmlns:a14="http://schemas.microsoft.com/office/drawing/2010/main" xmlns="">
                 <a:solidFill>
                   <a:srgbClr val="FFFFFF"/>
                 </a:solidFill>
               </a14:hiddenFill>
             </a:ext>
             <a:ext uri="{91240B29-F687-4f45-9708-019B960494DF}">
-              <a14:hiddenLine xmlns="" xmlns:a14="http://schemas.microsoft.com/office/drawing/2010/main" w="9525">
+              <a14:hiddenLine xmlns:a14="http://schemas.microsoft.com/office/drawing/2010/main" xmlns="" w="9525">
                 <a:solidFill>
                   <a:srgbClr val="000000"/>
                 </a:solidFill>
@@ -17779,7 +17779,7 @@
           </a:ln>
           <a:extLst>
             <a:ext uri="{909E8E84-426E-40dd-AFC4-6F175D3DCCD1}">
-              <a14:hiddenFill xmlns="" xmlns:a14="http://schemas.microsoft.com/office/drawing/2010/main">
+              <a14:hiddenFill xmlns:a14="http://schemas.microsoft.com/office/drawing/2010/main" xmlns="">
                 <a:solidFill>
                   <a:srgbClr val="FFFFFF"/>
                 </a:solidFill>
@@ -17817,14 +17817,14 @@
           </a:ln>
           <a:extLst>
             <a:ext uri="{909E8E84-426E-40dd-AFC4-6F175D3DCCD1}">
-              <a14:hiddenFill xmlns="" xmlns:a14="http://schemas.microsoft.com/office/drawing/2010/main">
+              <a14:hiddenFill xmlns:a14="http://schemas.microsoft.com/office/drawing/2010/main" xmlns="">
                 <a:solidFill>
                   <a:srgbClr val="FFFFFF"/>
                 </a:solidFill>
               </a14:hiddenFill>
             </a:ext>
             <a:ext uri="{91240B29-F687-4f45-9708-019B960494DF}">
-              <a14:hiddenLine xmlns="" xmlns:a14="http://schemas.microsoft.com/office/drawing/2010/main" w="9525">
+              <a14:hiddenLine xmlns:a14="http://schemas.microsoft.com/office/drawing/2010/main" xmlns="" w="9525">
                 <a:solidFill>
                   <a:srgbClr val="000000"/>
                 </a:solidFill>
@@ -18044,7 +18044,7 @@
           </a:ln>
           <a:extLst>
             <a:ext uri="{909E8E84-426E-40dd-AFC4-6F175D3DCCD1}">
-              <a14:hiddenFill xmlns="" xmlns:a14="http://schemas.microsoft.com/office/drawing/2010/main">
+              <a14:hiddenFill xmlns:a14="http://schemas.microsoft.com/office/drawing/2010/main" xmlns="">
                 <a:solidFill>
                   <a:srgbClr val="FFFFFF"/>
                 </a:solidFill>
@@ -18082,14 +18082,14 @@
           </a:ln>
           <a:extLst>
             <a:ext uri="{909E8E84-426E-40dd-AFC4-6F175D3DCCD1}">
-              <a14:hiddenFill xmlns="" xmlns:a14="http://schemas.microsoft.com/office/drawing/2010/main">
+              <a14:hiddenFill xmlns:a14="http://schemas.microsoft.com/office/drawing/2010/main" xmlns="">
                 <a:solidFill>
                   <a:srgbClr val="FFFFFF"/>
                 </a:solidFill>
               </a14:hiddenFill>
             </a:ext>
             <a:ext uri="{91240B29-F687-4f45-9708-019B960494DF}">
-              <a14:hiddenLine xmlns="" xmlns:a14="http://schemas.microsoft.com/office/drawing/2010/main" w="9525">
+              <a14:hiddenLine xmlns:a14="http://schemas.microsoft.com/office/drawing/2010/main" xmlns="" w="9525">
                 <a:solidFill>
                   <a:srgbClr val="000000"/>
                 </a:solidFill>
@@ -18363,7 +18363,7 @@
           </a:ln>
           <a:extLst>
             <a:ext uri="{909E8E84-426E-40dd-AFC4-6F175D3DCCD1}">
-              <a14:hiddenFill xmlns="" xmlns:a14="http://schemas.microsoft.com/office/drawing/2010/main">
+              <a14:hiddenFill xmlns:a14="http://schemas.microsoft.com/office/drawing/2010/main" xmlns="">
                 <a:solidFill>
                   <a:srgbClr val="FFFFFF"/>
                 </a:solidFill>
@@ -18401,14 +18401,14 @@
           </a:ln>
           <a:extLst>
             <a:ext uri="{909E8E84-426E-40dd-AFC4-6F175D3DCCD1}">
-              <a14:hiddenFill xmlns="" xmlns:a14="http://schemas.microsoft.com/office/drawing/2010/main">
+              <a14:hiddenFill xmlns:a14="http://schemas.microsoft.com/office/drawing/2010/main" xmlns="">
                 <a:solidFill>
                   <a:srgbClr val="FFFFFF"/>
                 </a:solidFill>
               </a14:hiddenFill>
             </a:ext>
             <a:ext uri="{91240B29-F687-4f45-9708-019B960494DF}">
-              <a14:hiddenLine xmlns="" xmlns:a14="http://schemas.microsoft.com/office/drawing/2010/main" w="9525">
+              <a14:hiddenLine xmlns:a14="http://schemas.microsoft.com/office/drawing/2010/main" xmlns="" w="9525">
                 <a:solidFill>
                   <a:srgbClr val="000000"/>
                 </a:solidFill>
@@ -18624,7 +18624,7 @@
           </a:ln>
           <a:extLst>
             <a:ext uri="{909E8E84-426E-40dd-AFC4-6F175D3DCCD1}">
-              <a14:hiddenFill xmlns="" xmlns:a14="http://schemas.microsoft.com/office/drawing/2010/main">
+              <a14:hiddenFill xmlns:a14="http://schemas.microsoft.com/office/drawing/2010/main" xmlns="">
                 <a:solidFill>
                   <a:srgbClr val="FFFFFF"/>
                 </a:solidFill>
@@ -18662,14 +18662,14 @@
           </a:ln>
           <a:extLst>
             <a:ext uri="{909E8E84-426E-40dd-AFC4-6F175D3DCCD1}">
-              <a14:hiddenFill xmlns="" xmlns:a14="http://schemas.microsoft.com/office/drawing/2010/main">
+              <a14:hiddenFill xmlns:a14="http://schemas.microsoft.com/office/drawing/2010/main" xmlns="">
                 <a:solidFill>
                   <a:srgbClr val="FFFFFF"/>
                 </a:solidFill>
               </a14:hiddenFill>
             </a:ext>
             <a:ext uri="{91240B29-F687-4f45-9708-019B960494DF}">
-              <a14:hiddenLine xmlns="" xmlns:a14="http://schemas.microsoft.com/office/drawing/2010/main" w="9525">
+              <a14:hiddenLine xmlns:a14="http://schemas.microsoft.com/office/drawing/2010/main" xmlns="" w="9525">
                 <a:solidFill>
                   <a:srgbClr val="000000"/>
                 </a:solidFill>
@@ -18874,7 +18874,7 @@
           </a:ln>
           <a:extLst>
             <a:ext uri="{909E8E84-426E-40dd-AFC4-6F175D3DCCD1}">
-              <a14:hiddenFill xmlns="" xmlns:a14="http://schemas.microsoft.com/office/drawing/2010/main">
+              <a14:hiddenFill xmlns:a14="http://schemas.microsoft.com/office/drawing/2010/main" xmlns="">
                 <a:solidFill>
                   <a:srgbClr val="FFFFFF"/>
                 </a:solidFill>
@@ -18912,14 +18912,14 @@
           </a:ln>
           <a:extLst>
             <a:ext uri="{909E8E84-426E-40dd-AFC4-6F175D3DCCD1}">
-              <a14:hiddenFill xmlns="" xmlns:a14="http://schemas.microsoft.com/office/drawing/2010/main">
+              <a14:hiddenFill xmlns:a14="http://schemas.microsoft.com/office/drawing/2010/main" xmlns="">
                 <a:solidFill>
                   <a:srgbClr val="FFFFFF"/>
                 </a:solidFill>
               </a14:hiddenFill>
             </a:ext>
             <a:ext uri="{91240B29-F687-4f45-9708-019B960494DF}">
-              <a14:hiddenLine xmlns="" xmlns:a14="http://schemas.microsoft.com/office/drawing/2010/main" w="9525">
+              <a14:hiddenLine xmlns:a14="http://schemas.microsoft.com/office/drawing/2010/main" xmlns="" w="9525">
                 <a:solidFill>
                   <a:srgbClr val="000000"/>
                 </a:solidFill>
@@ -19153,7 +19153,7 @@
           </a:ln>
           <a:extLst>
             <a:ext uri="{909E8E84-426E-40dd-AFC4-6F175D3DCCD1}">
-              <a14:hiddenFill xmlns="" xmlns:a14="http://schemas.microsoft.com/office/drawing/2010/main">
+              <a14:hiddenFill xmlns:a14="http://schemas.microsoft.com/office/drawing/2010/main" xmlns="">
                 <a:solidFill>
                   <a:srgbClr val="FFFFFF"/>
                 </a:solidFill>
@@ -19191,14 +19191,14 @@
           </a:ln>
           <a:extLst>
             <a:ext uri="{909E8E84-426E-40dd-AFC4-6F175D3DCCD1}">
-              <a14:hiddenFill xmlns="" xmlns:a14="http://schemas.microsoft.com/office/drawing/2010/main">
+              <a14:hiddenFill xmlns:a14="http://schemas.microsoft.com/office/drawing/2010/main" xmlns="">
                 <a:solidFill>
                   <a:srgbClr val="FFFFFF"/>
                 </a:solidFill>
               </a14:hiddenFill>
             </a:ext>
             <a:ext uri="{91240B29-F687-4f45-9708-019B960494DF}">
-              <a14:hiddenLine xmlns="" xmlns:a14="http://schemas.microsoft.com/office/drawing/2010/main" w="9525">
+              <a14:hiddenLine xmlns:a14="http://schemas.microsoft.com/office/drawing/2010/main" xmlns="" w="9525">
                 <a:solidFill>
                   <a:srgbClr val="000000"/>
                 </a:solidFill>
@@ -35096,11 +35096,7 @@
             </a:r>
             <a:r>
               <a:rPr lang="en-US" dirty="0" smtClean="0"/>
-              <a:t>this </a:t>
-            </a:r>
-            <a:r>
-              <a:rPr lang="en-US" dirty="0" smtClean="0"/>
-              <a:t>Friday</a:t>
+              <a:t>this Friday</a:t>
             </a:r>
             <a:endParaRPr lang="en-US" dirty="0"/>
           </a:p>
